--- a/Exploring Plain Vision Transformer Backbones for Object Detection_M11015039.pptx
+++ b/Exploring Plain Vision Transformer Backbones for Object Detection_M11015039.pptx
@@ -1006,8 +1006,32 @@
               <a:defRPr/>
             </a:pPr>
             <a:r>
+              <a:rPr lang="en-US" altLang="zh-TW" dirty="0"/>
+              <a:t>4.</a:t>
+            </a:r>
+            <a:r>
               <a:rPr lang="zh-TW" altLang="en-US" dirty="0"/>
-              <a:t>資料量少</a:t>
+              <a:t>作者認為以</a:t>
+            </a:r>
+            <a:r>
+              <a:rPr lang="en-US" altLang="zh-TW" dirty="0"/>
+              <a:t>Vit</a:t>
+            </a:r>
+            <a:r>
+              <a:rPr lang="zh-TW" altLang="en-US" dirty="0"/>
+              <a:t>去取代</a:t>
+            </a:r>
+            <a:r>
+              <a:rPr lang="zh-TW" altLang="en-US" sz="1100" b="1" dirty="0">
+                <a:solidFill>
+                  <a:srgbClr val="08244A"/>
+                </a:solidFill>
+                <a:latin typeface="Microsoft JhengHei"/>
+                <a:ea typeface="Microsoft JhengHei"/>
+                <a:cs typeface="Microsoft JhengHei"/>
+                <a:sym typeface="Microsoft JhengHei"/>
+              </a:rPr>
+              <a:t>主幹是可以輕易實現的</a:t>
             </a:r>
             <a:endParaRPr dirty="0"/>
           </a:p>
@@ -18646,7 +18670,55 @@
                 <a:cs typeface="Microsoft JhengHei"/>
                 <a:sym typeface="Microsoft JhengHei"/>
               </a:rPr>
-              <a:t>Introduction</a:t>
+              <a:t>Related Work</a:t>
+            </a:r>
+            <a:r>
+              <a:rPr lang="zh-TW" altLang="en-US" sz="2100" b="1" dirty="0">
+                <a:solidFill>
+                  <a:srgbClr val="08244A"/>
+                </a:solidFill>
+                <a:latin typeface="Microsoft JhengHei"/>
+                <a:ea typeface="Microsoft JhengHei"/>
+                <a:cs typeface="Microsoft JhengHei"/>
+                <a:sym typeface="Microsoft JhengHei"/>
+              </a:rPr>
+              <a:t> </a:t>
+            </a:r>
+            <a:r>
+              <a:rPr lang="en-US" altLang="zh-TW" sz="2100" b="1" dirty="0">
+                <a:solidFill>
+                  <a:srgbClr val="08244A"/>
+                </a:solidFill>
+                <a:latin typeface="Microsoft JhengHei"/>
+                <a:ea typeface="Microsoft JhengHei"/>
+                <a:cs typeface="Microsoft JhengHei"/>
+                <a:sym typeface="Microsoft JhengHei"/>
+              </a:rPr>
+              <a:t>-</a:t>
+            </a:r>
+            <a:r>
+              <a:rPr lang="zh-TW" altLang="en-US" sz="2100" b="1" dirty="0">
+                <a:solidFill>
+                  <a:srgbClr val="08244A"/>
+                </a:solidFill>
+                <a:latin typeface="Microsoft JhengHei"/>
+                <a:ea typeface="Microsoft JhengHei"/>
+                <a:cs typeface="Microsoft JhengHei"/>
+                <a:sym typeface="Microsoft JhengHei"/>
+              </a:rPr>
+              <a:t> </a:t>
+            </a:r>
+            <a:r>
+              <a:rPr lang="en-US" sz="2100" b="1" dirty="0">
+                <a:solidFill>
+                  <a:srgbClr val="08244A"/>
+                </a:solidFill>
+                <a:latin typeface="Microsoft JhengHei"/>
+                <a:ea typeface="Microsoft JhengHei"/>
+                <a:cs typeface="Microsoft JhengHei"/>
+                <a:sym typeface="Microsoft JhengHei"/>
+              </a:rPr>
+              <a:t>Object detector backbones</a:t>
             </a:r>
           </a:p>
         </p:txBody>
@@ -18666,7 +18738,7 @@
         <p:spPr>
           <a:xfrm>
             <a:off x="446000" y="917225"/>
-            <a:ext cx="8252100" cy="830966"/>
+            <a:ext cx="8420414" cy="1800463"/>
           </a:xfrm>
           <a:prstGeom prst="rect">
             <a:avLst/>
@@ -18700,7 +18772,7 @@
                 <a:effectLst/>
                 <a:latin typeface="Arial" panose="020B0604020202020204" pitchFamily="34" charset="0"/>
               </a:rPr>
-              <a:t>We used the InceptionV3 CNN model which was pre-trained on the ImageNet dataset. </a:t>
+              <a:t>Pioneered by the work of R-CNN.</a:t>
             </a:r>
           </a:p>
           <a:p>
@@ -18722,7 +18794,156 @@
                 <a:effectLst/>
                 <a:latin typeface="Arial" panose="020B0604020202020204" pitchFamily="34" charset="0"/>
               </a:rPr>
-              <a:t>ImageNet dataset contains approximately 1 million images and 1000 classes.</a:t>
+              <a:t>SSD is the first works that leverage the hierarchical nature of the </a:t>
+            </a:r>
+            <a:r>
+              <a:rPr lang="en-US" altLang="zh-TW" b="0" i="0" dirty="0" err="1">
+                <a:effectLst/>
+                <a:latin typeface="Arial" panose="020B0604020202020204" pitchFamily="34" charset="0"/>
+              </a:rPr>
+              <a:t>ConvNet</a:t>
+            </a:r>
+            <a:r>
+              <a:rPr lang="en-US" altLang="zh-TW" b="0" i="0" dirty="0">
+                <a:effectLst/>
+                <a:latin typeface="Arial" panose="020B0604020202020204" pitchFamily="34" charset="0"/>
+              </a:rPr>
+              <a:t> backbones</a:t>
+            </a:r>
+            <a:r>
+              <a:rPr lang="zh-TW" altLang="en-US" b="0" i="0" dirty="0">
+                <a:effectLst/>
+                <a:latin typeface="Arial" panose="020B0604020202020204" pitchFamily="34" charset="0"/>
+              </a:rPr>
+              <a:t> </a:t>
+            </a:r>
+            <a:r>
+              <a:rPr lang="en-US" altLang="zh-TW" b="0" i="0" dirty="0">
+                <a:effectLst/>
+                <a:latin typeface="Arial" panose="020B0604020202020204" pitchFamily="34" charset="0"/>
+              </a:rPr>
+              <a:t>(VGG).</a:t>
+            </a:r>
+          </a:p>
+          <a:p>
+            <a:pPr marL="342900" lvl="0" indent="-342900" algn="l" rtl="0">
+              <a:lnSpc>
+                <a:spcPct val="150000"/>
+              </a:lnSpc>
+              <a:spcBef>
+                <a:spcPts val="0"/>
+              </a:spcBef>
+              <a:spcAft>
+                <a:spcPts val="0"/>
+              </a:spcAft>
+              <a:buFont typeface="+mj-lt"/>
+              <a:buAutoNum type="arabicPeriod"/>
+            </a:pPr>
+            <a:r>
+              <a:rPr lang="en-US" altLang="zh-TW" b="0" i="0" dirty="0">
+                <a:effectLst/>
+                <a:latin typeface="Arial" panose="020B0604020202020204" pitchFamily="34" charset="0"/>
+              </a:rPr>
+              <a:t>FPN pushes this direction further by using all stages of a hierarchical backbone, approached by lateral and top-down connections.</a:t>
+            </a:r>
+          </a:p>
+          <a:p>
+            <a:pPr marL="342900" lvl="0" indent="-342900" algn="l" rtl="0">
+              <a:lnSpc>
+                <a:spcPct val="150000"/>
+              </a:lnSpc>
+              <a:spcBef>
+                <a:spcPts val="0"/>
+              </a:spcBef>
+              <a:spcAft>
+                <a:spcPts val="0"/>
+              </a:spcAft>
+              <a:buFont typeface="+mj-lt"/>
+              <a:buAutoNum type="arabicPeriod"/>
+            </a:pPr>
+            <a:r>
+              <a:rPr lang="en-US" altLang="zh-TW" b="0" i="0" dirty="0" err="1">
+                <a:effectLst/>
+                <a:latin typeface="Arial" panose="020B0604020202020204" pitchFamily="34" charset="0"/>
+              </a:rPr>
+              <a:t>ViT</a:t>
+            </a:r>
+            <a:r>
+              <a:rPr lang="en-US" altLang="zh-TW" b="0" i="0" dirty="0">
+                <a:effectLst/>
+                <a:latin typeface="Arial" panose="020B0604020202020204" pitchFamily="34" charset="0"/>
+              </a:rPr>
+              <a:t> is a powerful alternative to standard </a:t>
+            </a:r>
+            <a:r>
+              <a:rPr lang="en-US" altLang="zh-TW" b="0" i="0" dirty="0" err="1">
+                <a:effectLst/>
+                <a:latin typeface="Arial" panose="020B0604020202020204" pitchFamily="34" charset="0"/>
+              </a:rPr>
+              <a:t>ConvNets</a:t>
+            </a:r>
+            <a:r>
+              <a:rPr lang="en-US" altLang="zh-TW" b="0" i="0" dirty="0">
+                <a:effectLst/>
+                <a:latin typeface="Arial" panose="020B0604020202020204" pitchFamily="34" charset="0"/>
+              </a:rPr>
+              <a:t> for image classification.</a:t>
+            </a:r>
+            <a:r>
+              <a:rPr lang="zh-TW" altLang="en-US" b="0" i="0" dirty="0">
+                <a:effectLst/>
+                <a:latin typeface="Arial" panose="020B0604020202020204" pitchFamily="34" charset="0"/>
+              </a:rPr>
+              <a:t> </a:t>
+            </a:r>
+            <a:r>
+              <a:rPr lang="en-US" altLang="zh-TW" b="0" i="0" dirty="0">
+                <a:effectLst/>
+                <a:latin typeface="Arial" panose="020B0604020202020204" pitchFamily="34" charset="0"/>
+              </a:rPr>
+              <a:t>(</a:t>
+            </a:r>
+            <a:r>
+              <a:rPr lang="en-US" altLang="zh-TW" b="0" i="0" dirty="0" err="1">
+                <a:effectLst/>
+                <a:latin typeface="Arial" panose="020B0604020202020204" pitchFamily="34" charset="0"/>
+              </a:rPr>
+              <a:t>Swin</a:t>
+            </a:r>
+            <a:r>
+              <a:rPr lang="en-US" altLang="zh-TW" b="0" i="0" dirty="0">
+                <a:effectLst/>
+                <a:latin typeface="Arial" panose="020B0604020202020204" pitchFamily="34" charset="0"/>
+              </a:rPr>
+              <a:t> , </a:t>
+            </a:r>
+            <a:r>
+              <a:rPr lang="en-US" altLang="zh-TW" b="0" i="0" dirty="0" err="1">
+                <a:effectLst/>
+                <a:latin typeface="Arial" panose="020B0604020202020204" pitchFamily="34" charset="0"/>
+              </a:rPr>
+              <a:t>MViT</a:t>
+            </a:r>
+            <a:r>
+              <a:rPr lang="en-US" altLang="zh-TW" b="0" i="0" dirty="0">
+                <a:effectLst/>
+                <a:latin typeface="Arial" panose="020B0604020202020204" pitchFamily="34" charset="0"/>
+              </a:rPr>
+              <a:t> , PVT , </a:t>
+            </a:r>
+            <a:r>
+              <a:rPr lang="en-US" altLang="zh-TW" b="0" i="0" dirty="0" err="1">
+                <a:effectLst/>
+                <a:latin typeface="Arial" panose="020B0604020202020204" pitchFamily="34" charset="0"/>
+              </a:rPr>
+              <a:t>PiT</a:t>
+            </a:r>
+            <a:r>
+              <a:rPr lang="en-US" altLang="zh-TW" b="0" i="0" dirty="0">
+                <a:effectLst/>
+                <a:latin typeface="Arial" panose="020B0604020202020204" pitchFamily="34" charset="0"/>
+              </a:rPr>
+              <a:t>)</a:t>
             </a:r>
           </a:p>
         </p:txBody>
@@ -22808,7 +23029,7 @@
         <p:spPr>
           <a:xfrm>
             <a:off x="471906" y="959133"/>
-            <a:ext cx="7178692" cy="1800463"/>
+            <a:ext cx="7178692" cy="2262127"/>
           </a:xfrm>
           <a:prstGeom prst="rect">
             <a:avLst/>
@@ -22838,13 +23059,13 @@
               <a:buAutoNum type="arabicPeriod"/>
             </a:pPr>
             <a:r>
-              <a:rPr lang="en-US" altLang="zh-TW" dirty="0">
+              <a:rPr lang="en-US" altLang="zh-TW" sz="1800" dirty="0">
                 <a:latin typeface="Arial" panose="020B0604020202020204" pitchFamily="34" charset="0"/>
               </a:rPr>
               <a:t>U</a:t>
             </a:r>
             <a:r>
-              <a:rPr lang="en-US" altLang="zh-TW" b="0" i="0" dirty="0">
+              <a:rPr lang="en-US" altLang="zh-TW" sz="1800" b="0" i="0" dirty="0">
                 <a:effectLst/>
                 <a:latin typeface="Arial" panose="020B0604020202020204" pitchFamily="34" charset="0"/>
               </a:rPr>
@@ -22866,7 +23087,7 @@
               <a:buAutoNum type="arabicPeriod"/>
             </a:pPr>
             <a:r>
-              <a:rPr lang="en-US" altLang="zh-TW" b="0" i="0" dirty="0">
+              <a:rPr lang="en-US" altLang="zh-TW" sz="1800" b="0" i="0" dirty="0">
                 <a:effectLst/>
                 <a:latin typeface="Arial" panose="020B0604020202020204" pitchFamily="34" charset="0"/>
               </a:rPr>
@@ -22888,7 +23109,7 @@
               <a:buAutoNum type="arabicPeriod"/>
             </a:pPr>
             <a:r>
-              <a:rPr lang="en-US" altLang="zh-TW" b="0" i="0" dirty="0">
+              <a:rPr lang="en-US" altLang="zh-TW" sz="1800" b="0" i="0" dirty="0">
                 <a:effectLst/>
                 <a:latin typeface="Arial" panose="020B0604020202020204" pitchFamily="34" charset="0"/>
               </a:rPr>
@@ -22910,7 +23131,7 @@
               <a:buAutoNum type="arabicPeriod"/>
             </a:pPr>
             <a:r>
-              <a:rPr lang="en-US" altLang="zh-TW" b="0" i="0" dirty="0">
+              <a:rPr lang="en-US" altLang="zh-TW" sz="1800" b="0" i="0" dirty="0">
                 <a:effectLst/>
                 <a:latin typeface="Arial" panose="020B0604020202020204" pitchFamily="34" charset="0"/>
               </a:rPr>
@@ -22932,35 +23153,35 @@
               <a:buAutoNum type="arabicPeriod"/>
             </a:pPr>
             <a:r>
-              <a:rPr lang="en-US" altLang="zh-TW" b="0" i="0" dirty="0">
+              <a:rPr lang="en-US" altLang="zh-TW" sz="1800" b="0" i="0" dirty="0">
                 <a:effectLst/>
                 <a:latin typeface="Arial" panose="020B0604020202020204" pitchFamily="34" charset="0"/>
               </a:rPr>
               <a:t>Compete with the hierarchical-backbone detectors. (</a:t>
             </a:r>
             <a:r>
-              <a:rPr lang="en-US" altLang="zh-TW" b="0" i="0" dirty="0" err="1">
+              <a:rPr lang="en-US" altLang="zh-TW" sz="1800" b="0" i="0" dirty="0" err="1">
                 <a:effectLst/>
                 <a:latin typeface="Arial" panose="020B0604020202020204" pitchFamily="34" charset="0"/>
               </a:rPr>
               <a:t>Swin</a:t>
             </a:r>
             <a:r>
-              <a:rPr lang="en-US" altLang="zh-TW" b="0" i="0" dirty="0">
+              <a:rPr lang="en-US" altLang="zh-TW" sz="1800" b="0" i="0" dirty="0">
                 <a:effectLst/>
                 <a:latin typeface="Arial" panose="020B0604020202020204" pitchFamily="34" charset="0"/>
               </a:rPr>
               <a:t>, </a:t>
             </a:r>
             <a:r>
-              <a:rPr lang="en-US" altLang="zh-TW" b="0" i="0" dirty="0" err="1">
+              <a:rPr lang="en-US" altLang="zh-TW" sz="1800" b="0" i="0" dirty="0" err="1">
                 <a:effectLst/>
                 <a:latin typeface="Arial" panose="020B0604020202020204" pitchFamily="34" charset="0"/>
               </a:rPr>
               <a:t>MViT</a:t>
             </a:r>
             <a:r>
-              <a:rPr lang="en-US" altLang="zh-TW" b="0" i="0" dirty="0">
+              <a:rPr lang="en-US" altLang="zh-TW" sz="1800" b="0" i="0" dirty="0">
                 <a:effectLst/>
                 <a:latin typeface="Arial" panose="020B0604020202020204" pitchFamily="34" charset="0"/>
               </a:rPr>

--- a/Exploring Plain Vision Transformer Backbones for Object Detection_M11015039.pptx
+++ b/Exploring Plain Vision Transformer Backbones for Object Detection_M11015039.pptx
@@ -6,7 +6,7 @@
     <p:sldMasterId id="2147483671" r:id="rId2"/>
   </p:sldMasterIdLst>
   <p:notesMasterIdLst>
-    <p:notesMasterId r:id="rId30"/>
+    <p:notesMasterId r:id="rId32"/>
   </p:notesMasterIdLst>
   <p:sldIdLst>
     <p:sldId id="256" r:id="rId3"/>
@@ -35,7 +35,9 @@
     <p:sldId id="318" r:id="rId26"/>
     <p:sldId id="321" r:id="rId27"/>
     <p:sldId id="322" r:id="rId28"/>
-    <p:sldId id="292" r:id="rId29"/>
+    <p:sldId id="324" r:id="rId29"/>
+    <p:sldId id="323" r:id="rId30"/>
+    <p:sldId id="292" r:id="rId31"/>
   </p:sldIdLst>
   <p:sldSz cx="9144000" cy="5143500" type="screen16x9"/>
   <p:notesSz cx="6858000" cy="9144000"/>
@@ -5297,6 +5299,104 @@
               <a:tabLst/>
               <a:defRPr/>
             </a:pPr>
+            <a:r>
+              <a:rPr lang="zh-TW" altLang="en-US" dirty="0"/>
+              <a:t>長尾分布 資料極度不平衡 </a:t>
+            </a:r>
+            <a:r>
+              <a:rPr lang="en-US" altLang="zh-TW" b="0" i="0" dirty="0">
+                <a:effectLst/>
+                <a:latin typeface="Arial" panose="020B0604020202020204" pitchFamily="34" charset="0"/>
+              </a:rPr>
+              <a:t>&lt;10</a:t>
+            </a:r>
+          </a:p>
+          <a:p>
+            <a:pPr marL="228600" marR="0" lvl="0" indent="-228600" algn="l" defTabSz="914400" rtl="0" eaLnBrk="1" fontAlgn="auto" latinLnBrk="0" hangingPunct="1">
+              <a:lnSpc>
+                <a:spcPct val="100000"/>
+              </a:lnSpc>
+              <a:spcBef>
+                <a:spcPts val="0"/>
+              </a:spcBef>
+              <a:spcAft>
+                <a:spcPts val="0"/>
+              </a:spcAft>
+              <a:buClr>
+                <a:schemeClr val="dk1"/>
+              </a:buClr>
+              <a:buSzPts val="1200"/>
+              <a:buFont typeface="Calibri"/>
+              <a:buAutoNum type="arabicPeriod"/>
+              <a:tabLst/>
+              <a:defRPr/>
+            </a:pPr>
+            <a:r>
+              <a:rPr lang="en-US" altLang="zh-TW" dirty="0" err="1"/>
+              <a:t>ViTDet</a:t>
+            </a:r>
+            <a:r>
+              <a:rPr lang="zh-TW" altLang="en-US" dirty="0"/>
+              <a:t>呈現了具有競爭力的性能</a:t>
+            </a:r>
+            <a:endParaRPr lang="en-US" altLang="zh-TW" dirty="0"/>
+          </a:p>
+          <a:p>
+            <a:pPr marL="228600" marR="0" lvl="0" indent="-228600" algn="l" defTabSz="914400" rtl="0" eaLnBrk="1" fontAlgn="auto" latinLnBrk="0" hangingPunct="1">
+              <a:lnSpc>
+                <a:spcPct val="100000"/>
+              </a:lnSpc>
+              <a:spcBef>
+                <a:spcPts val="0"/>
+              </a:spcBef>
+              <a:spcAft>
+                <a:spcPts val="0"/>
+              </a:spcAft>
+              <a:buClr>
+                <a:schemeClr val="dk1"/>
+              </a:buClr>
+              <a:buSzPts val="1200"/>
+              <a:buFont typeface="Calibri"/>
+              <a:buAutoNum type="arabicPeriod"/>
+              <a:tabLst/>
+              <a:defRPr/>
+            </a:pPr>
+            <a:r>
+              <a:rPr lang="en-US" altLang="zh-TW" dirty="0"/>
+              <a:t> 2021 competition winner‘s</a:t>
+            </a:r>
+            <a:r>
+              <a:rPr lang="zh-TW" altLang="en-US" dirty="0"/>
+              <a:t> 結合</a:t>
+            </a:r>
+            <a:r>
+              <a:rPr lang="en-US" altLang="zh-TW" dirty="0"/>
+              <a:t>HTC </a:t>
+            </a:r>
+            <a:r>
+              <a:rPr lang="zh-TW" altLang="en-US" dirty="0"/>
+              <a:t>和 </a:t>
+            </a:r>
+            <a:r>
+              <a:rPr lang="en-US" altLang="zh-TW" dirty="0"/>
+              <a:t>CBNetV2</a:t>
+            </a:r>
+            <a:r>
+              <a:rPr lang="zh-TW" altLang="en-US" dirty="0"/>
+              <a:t>，結合了兩個 </a:t>
+            </a:r>
+            <a:r>
+              <a:rPr lang="en-US" altLang="zh-TW" dirty="0" err="1"/>
+              <a:t>Swin</a:t>
+            </a:r>
+            <a:r>
+              <a:rPr lang="en-US" altLang="zh-TW" dirty="0"/>
+              <a:t>-L </a:t>
+            </a:r>
+            <a:r>
+              <a:rPr lang="zh-TW" altLang="en-US" dirty="0"/>
+              <a:t>主幹</a:t>
+            </a:r>
             <a:endParaRPr dirty="0"/>
           </a:p>
         </p:txBody>
@@ -5361,6 +5461,354 @@
 </file>
 
 <file path=ppt/notesSlides/notesSlide27.xml><?xml version="1.0" encoding="utf-8"?>
+<p:notes xmlns:a="http://schemas.openxmlformats.org/drawingml/2006/main" xmlns:r="http://schemas.openxmlformats.org/officeDocument/2006/relationships" xmlns:p="http://schemas.openxmlformats.org/presentationml/2006/main" showMasterSp="0" showMasterPhAnim="0">
+  <p:cSld>
+    <p:spTree>
+      <p:nvGrpSpPr>
+        <p:cNvPr id="1" name="Shape 171"/>
+        <p:cNvGrpSpPr/>
+        <p:nvPr/>
+      </p:nvGrpSpPr>
+      <p:grpSpPr>
+        <a:xfrm>
+          <a:off x="0" y="0"/>
+          <a:ext cx="0" cy="0"/>
+          <a:chOff x="0" y="0"/>
+          <a:chExt cx="0" cy="0"/>
+        </a:xfrm>
+      </p:grpSpPr>
+      <p:sp>
+        <p:nvSpPr>
+          <p:cNvPr id="172" name="Google Shape;172;g1144437607e_2_107:notes"/>
+          <p:cNvSpPr>
+            <a:spLocks noGrp="1" noRot="1" noChangeAspect="1"/>
+          </p:cNvSpPr>
+          <p:nvPr>
+            <p:ph type="sldImg" idx="2"/>
+          </p:nvPr>
+        </p:nvSpPr>
+        <p:spPr>
+          <a:xfrm>
+            <a:off x="685800" y="1143000"/>
+            <a:ext cx="5486400" cy="3086100"/>
+          </a:xfrm>
+          <a:custGeom>
+            <a:avLst/>
+            <a:gdLst/>
+            <a:ahLst/>
+            <a:cxnLst/>
+            <a:rect l="l" t="t" r="r" b="b"/>
+            <a:pathLst>
+              <a:path w="120000" h="120000" extrusionOk="0">
+                <a:moveTo>
+                  <a:pt x="0" y="0"/>
+                </a:moveTo>
+                <a:lnTo>
+                  <a:pt x="120000" y="0"/>
+                </a:lnTo>
+                <a:lnTo>
+                  <a:pt x="120000" y="120000"/>
+                </a:lnTo>
+                <a:lnTo>
+                  <a:pt x="0" y="120000"/>
+                </a:lnTo>
+                <a:close/>
+              </a:path>
+            </a:pathLst>
+          </a:custGeom>
+          <a:noFill/>
+          <a:ln w="12700" cap="flat" cmpd="sng">
+            <a:solidFill>
+              <a:srgbClr val="000000"/>
+            </a:solidFill>
+            <a:prstDash val="solid"/>
+            <a:round/>
+            <a:headEnd type="none" w="sm" len="sm"/>
+            <a:tailEnd type="none" w="sm" len="sm"/>
+          </a:ln>
+        </p:spPr>
+      </p:sp>
+      <p:sp>
+        <p:nvSpPr>
+          <p:cNvPr id="173" name="Google Shape;173;g1144437607e_2_107:notes"/>
+          <p:cNvSpPr txBox="1">
+            <a:spLocks noGrp="1"/>
+          </p:cNvSpPr>
+          <p:nvPr>
+            <p:ph type="body" idx="1"/>
+          </p:nvPr>
+        </p:nvSpPr>
+        <p:spPr>
+          <a:xfrm>
+            <a:off x="685800" y="4400550"/>
+            <a:ext cx="5486400" cy="3600600"/>
+          </a:xfrm>
+          <a:prstGeom prst="rect">
+            <a:avLst/>
+          </a:prstGeom>
+          <a:noFill/>
+          <a:ln>
+            <a:noFill/>
+          </a:ln>
+        </p:spPr>
+        <p:txBody>
+          <a:bodyPr spcFirstLastPara="1" wrap="square" lIns="91425" tIns="45700" rIns="91425" bIns="45700" anchor="t" anchorCtr="0">
+            <a:noAutofit/>
+          </a:bodyPr>
+          <a:lstStyle/>
+          <a:p>
+            <a:pPr marL="0" lvl="0" indent="0" algn="l" rtl="0">
+              <a:spcBef>
+                <a:spcPts val="0"/>
+              </a:spcBef>
+              <a:spcAft>
+                <a:spcPts val="0"/>
+              </a:spcAft>
+              <a:buNone/>
+            </a:pPr>
+            <a:endParaRPr/>
+          </a:p>
+        </p:txBody>
+      </p:sp>
+      <p:sp>
+        <p:nvSpPr>
+          <p:cNvPr id="174" name="Google Shape;174;g1144437607e_2_107:notes"/>
+          <p:cNvSpPr txBox="1">
+            <a:spLocks noGrp="1"/>
+          </p:cNvSpPr>
+          <p:nvPr>
+            <p:ph type="sldNum" idx="12"/>
+          </p:nvPr>
+        </p:nvSpPr>
+        <p:spPr>
+          <a:xfrm>
+            <a:off x="3884613" y="8685213"/>
+            <a:ext cx="2971800" cy="458700"/>
+          </a:xfrm>
+          <a:prstGeom prst="rect">
+            <a:avLst/>
+          </a:prstGeom>
+          <a:noFill/>
+          <a:ln>
+            <a:noFill/>
+          </a:ln>
+        </p:spPr>
+        <p:txBody>
+          <a:bodyPr spcFirstLastPara="1" wrap="square" lIns="91425" tIns="45700" rIns="91425" bIns="45700" anchor="b" anchorCtr="0">
+            <a:noAutofit/>
+          </a:bodyPr>
+          <a:lstStyle/>
+          <a:p>
+            <a:pPr marL="0" lvl="0" indent="0" algn="r" rtl="0">
+              <a:spcBef>
+                <a:spcPts val="0"/>
+              </a:spcBef>
+              <a:spcAft>
+                <a:spcPts val="0"/>
+              </a:spcAft>
+              <a:buNone/>
+            </a:pPr>
+            <a:fld id="{00000000-1234-1234-1234-123412341234}" type="slidenum">
+              <a:rPr lang="en-US" altLang="zh-TW"/>
+              <a:t>27</a:t>
+            </a:fld>
+            <a:endParaRPr/>
+          </a:p>
+        </p:txBody>
+      </p:sp>
+    </p:spTree>
+    <p:extLst>
+      <p:ext uri="{BB962C8B-B14F-4D97-AF65-F5344CB8AC3E}">
+        <p14:creationId xmlns:p14="http://schemas.microsoft.com/office/powerpoint/2010/main" val="2615168905"/>
+      </p:ext>
+    </p:extLst>
+  </p:cSld>
+  <p:clrMapOvr>
+    <a:masterClrMapping/>
+  </p:clrMapOvr>
+</p:notes>
+</file>
+
+<file path=ppt/notesSlides/notesSlide28.xml><?xml version="1.0" encoding="utf-8"?>
+<p:notes xmlns:a="http://schemas.openxmlformats.org/drawingml/2006/main" xmlns:r="http://schemas.openxmlformats.org/officeDocument/2006/relationships" xmlns:p="http://schemas.openxmlformats.org/presentationml/2006/main" showMasterSp="0" showMasterPhAnim="0">
+  <p:cSld>
+    <p:spTree>
+      <p:nvGrpSpPr>
+        <p:cNvPr id="1" name="Shape 159"/>
+        <p:cNvGrpSpPr/>
+        <p:nvPr/>
+      </p:nvGrpSpPr>
+      <p:grpSpPr>
+        <a:xfrm>
+          <a:off x="0" y="0"/>
+          <a:ext cx="0" cy="0"/>
+          <a:chOff x="0" y="0"/>
+          <a:chExt cx="0" cy="0"/>
+        </a:xfrm>
+      </p:grpSpPr>
+      <p:sp>
+        <p:nvSpPr>
+          <p:cNvPr id="160" name="Google Shape;160;g11584829504_1_93:notes"/>
+          <p:cNvSpPr>
+            <a:spLocks noGrp="1" noRot="1" noChangeAspect="1"/>
+          </p:cNvSpPr>
+          <p:nvPr>
+            <p:ph type="sldImg" idx="2"/>
+          </p:nvPr>
+        </p:nvSpPr>
+        <p:spPr>
+          <a:xfrm>
+            <a:off x="685800" y="1143000"/>
+            <a:ext cx="5486400" cy="3086100"/>
+          </a:xfrm>
+          <a:custGeom>
+            <a:avLst/>
+            <a:gdLst/>
+            <a:ahLst/>
+            <a:cxnLst/>
+            <a:rect l="l" t="t" r="r" b="b"/>
+            <a:pathLst>
+              <a:path w="120000" h="120000" extrusionOk="0">
+                <a:moveTo>
+                  <a:pt x="0" y="0"/>
+                </a:moveTo>
+                <a:lnTo>
+                  <a:pt x="120000" y="0"/>
+                </a:lnTo>
+                <a:lnTo>
+                  <a:pt x="120000" y="120000"/>
+                </a:lnTo>
+                <a:lnTo>
+                  <a:pt x="0" y="120000"/>
+                </a:lnTo>
+                <a:close/>
+              </a:path>
+            </a:pathLst>
+          </a:custGeom>
+          <a:noFill/>
+          <a:ln w="12700" cap="flat" cmpd="sng">
+            <a:solidFill>
+              <a:srgbClr val="000000"/>
+            </a:solidFill>
+            <a:prstDash val="solid"/>
+            <a:round/>
+            <a:headEnd type="none" w="sm" len="sm"/>
+            <a:tailEnd type="none" w="sm" len="sm"/>
+          </a:ln>
+        </p:spPr>
+      </p:sp>
+      <p:sp>
+        <p:nvSpPr>
+          <p:cNvPr id="161" name="Google Shape;161;g11584829504_1_93:notes"/>
+          <p:cNvSpPr txBox="1">
+            <a:spLocks noGrp="1"/>
+          </p:cNvSpPr>
+          <p:nvPr>
+            <p:ph type="body" idx="1"/>
+          </p:nvPr>
+        </p:nvSpPr>
+        <p:spPr>
+          <a:xfrm>
+            <a:off x="685800" y="4400550"/>
+            <a:ext cx="5486400" cy="3600600"/>
+          </a:xfrm>
+          <a:prstGeom prst="rect">
+            <a:avLst/>
+          </a:prstGeom>
+          <a:noFill/>
+          <a:ln>
+            <a:noFill/>
+          </a:ln>
+        </p:spPr>
+        <p:txBody>
+          <a:bodyPr spcFirstLastPara="1" wrap="square" lIns="91425" tIns="45700" rIns="91425" bIns="45700" anchor="t" anchorCtr="0">
+            <a:noAutofit/>
+          </a:bodyPr>
+          <a:lstStyle/>
+          <a:p>
+            <a:pPr marL="228600" marR="0" lvl="0" indent="-228600" algn="l" defTabSz="914400" rtl="0" eaLnBrk="1" fontAlgn="auto" latinLnBrk="0" hangingPunct="1">
+              <a:lnSpc>
+                <a:spcPct val="100000"/>
+              </a:lnSpc>
+              <a:spcBef>
+                <a:spcPts val="0"/>
+              </a:spcBef>
+              <a:spcAft>
+                <a:spcPts val="0"/>
+              </a:spcAft>
+              <a:buClr>
+                <a:schemeClr val="dk1"/>
+              </a:buClr>
+              <a:buSzPts val="1200"/>
+              <a:buFont typeface="Calibri"/>
+              <a:buAutoNum type="arabicPeriod"/>
+              <a:tabLst/>
+              <a:defRPr/>
+            </a:pPr>
+            <a:endParaRPr dirty="0"/>
+          </a:p>
+        </p:txBody>
+      </p:sp>
+      <p:sp>
+        <p:nvSpPr>
+          <p:cNvPr id="162" name="Google Shape;162;g11584829504_1_93:notes"/>
+          <p:cNvSpPr txBox="1">
+            <a:spLocks noGrp="1"/>
+          </p:cNvSpPr>
+          <p:nvPr>
+            <p:ph type="sldNum" idx="12"/>
+          </p:nvPr>
+        </p:nvSpPr>
+        <p:spPr>
+          <a:xfrm>
+            <a:off x="3884613" y="8685213"/>
+            <a:ext cx="2971800" cy="458700"/>
+          </a:xfrm>
+          <a:prstGeom prst="rect">
+            <a:avLst/>
+          </a:prstGeom>
+          <a:noFill/>
+          <a:ln>
+            <a:noFill/>
+          </a:ln>
+        </p:spPr>
+        <p:txBody>
+          <a:bodyPr spcFirstLastPara="1" wrap="square" lIns="91425" tIns="45700" rIns="91425" bIns="45700" anchor="b" anchorCtr="0">
+            <a:noAutofit/>
+          </a:bodyPr>
+          <a:lstStyle/>
+          <a:p>
+            <a:pPr marL="0" lvl="0" indent="0" algn="r" rtl="0">
+              <a:spcBef>
+                <a:spcPts val="0"/>
+              </a:spcBef>
+              <a:spcAft>
+                <a:spcPts val="0"/>
+              </a:spcAft>
+              <a:buNone/>
+            </a:pPr>
+            <a:fld id="{00000000-1234-1234-1234-123412341234}" type="slidenum">
+              <a:rPr lang="en-US" altLang="zh-TW"/>
+              <a:t>28</a:t>
+            </a:fld>
+            <a:endParaRPr/>
+          </a:p>
+        </p:txBody>
+      </p:sp>
+    </p:spTree>
+    <p:extLst>
+      <p:ext uri="{BB962C8B-B14F-4D97-AF65-F5344CB8AC3E}">
+        <p14:creationId xmlns:p14="http://schemas.microsoft.com/office/powerpoint/2010/main" val="1791656848"/>
+      </p:ext>
+    </p:extLst>
+  </p:cSld>
+  <p:clrMapOvr>
+    <a:masterClrMapping/>
+  </p:clrMapOvr>
+</p:notes>
+</file>
+
+<file path=ppt/notesSlides/notesSlide29.xml><?xml version="1.0" encoding="utf-8"?>
 <p:notes xmlns:a="http://schemas.openxmlformats.org/drawingml/2006/main" xmlns:r="http://schemas.openxmlformats.org/officeDocument/2006/relationships" xmlns:p="http://schemas.openxmlformats.org/presentationml/2006/main" showMasterSp="0" showMasterPhAnim="0">
   <p:cSld>
     <p:spTree>
@@ -30133,6 +30581,752 @@
           </a:p>
         </p:txBody>
       </p:sp>
+      <p:pic>
+        <p:nvPicPr>
+          <p:cNvPr id="4" name="圖片 3">
+            <a:extLst>
+              <a:ext uri="{FF2B5EF4-FFF2-40B4-BE49-F238E27FC236}">
+                <a16:creationId xmlns:a16="http://schemas.microsoft.com/office/drawing/2014/main" id="{0F9E0E34-6B79-40AA-B7C8-A720231D3796}"/>
+              </a:ext>
+            </a:extLst>
+          </p:cNvPr>
+          <p:cNvPicPr>
+            <a:picLocks noChangeAspect="1"/>
+          </p:cNvPicPr>
+          <p:nvPr/>
+        </p:nvPicPr>
+        <p:blipFill>
+          <a:blip r:embed="rId3"/>
+          <a:stretch>
+            <a:fillRect/>
+          </a:stretch>
+        </p:blipFill>
+        <p:spPr>
+          <a:xfrm>
+            <a:off x="0" y="1955793"/>
+            <a:ext cx="6237515" cy="2021923"/>
+          </a:xfrm>
+          <a:prstGeom prst="rect">
+            <a:avLst/>
+          </a:prstGeom>
+        </p:spPr>
+      </p:pic>
+      <p:sp>
+        <p:nvSpPr>
+          <p:cNvPr id="10" name="文字方塊 9">
+            <a:extLst>
+              <a:ext uri="{FF2B5EF4-FFF2-40B4-BE49-F238E27FC236}">
+                <a16:creationId xmlns:a16="http://schemas.microsoft.com/office/drawing/2014/main" id="{0359777F-B60E-4252-97FA-45F38318D71D}"/>
+              </a:ext>
+            </a:extLst>
+          </p:cNvPr>
+          <p:cNvSpPr txBox="1"/>
+          <p:nvPr/>
+        </p:nvSpPr>
+        <p:spPr>
+          <a:xfrm>
+            <a:off x="6368143" y="1419081"/>
+            <a:ext cx="2645228" cy="738664"/>
+          </a:xfrm>
+          <a:prstGeom prst="rect">
+            <a:avLst/>
+          </a:prstGeom>
+          <a:noFill/>
+        </p:spPr>
+        <p:txBody>
+          <a:bodyPr wrap="square">
+            <a:spAutoFit/>
+          </a:bodyPr>
+          <a:lstStyle/>
+          <a:p>
+            <a:r>
+              <a:rPr lang="en-US" altLang="zh-TW" b="0" i="0" dirty="0">
+                <a:effectLst/>
+                <a:latin typeface="Arial" panose="020B0604020202020204" pitchFamily="34" charset="0"/>
+              </a:rPr>
+              <a:t>Comparisons on</a:t>
+            </a:r>
+            <a:r>
+              <a:rPr lang="zh-TW" altLang="en-US" b="0" i="0" dirty="0">
+                <a:effectLst/>
+                <a:latin typeface="Arial" panose="020B0604020202020204" pitchFamily="34" charset="0"/>
+              </a:rPr>
+              <a:t> </a:t>
+            </a:r>
+            <a:r>
+              <a:rPr lang="en-US" altLang="zh-TW" b="0" i="0" dirty="0">
+                <a:effectLst/>
+                <a:latin typeface="Arial" panose="020B0604020202020204" pitchFamily="34" charset="0"/>
+              </a:rPr>
+              <a:t>LVIS</a:t>
+            </a:r>
+          </a:p>
+          <a:p>
+            <a:pPr marL="342900" indent="-342900">
+              <a:buAutoNum type="arabicPeriod"/>
+            </a:pPr>
+            <a:r>
+              <a:rPr lang="en-US" altLang="zh-TW" b="0" i="0" dirty="0">
+                <a:effectLst/>
+                <a:latin typeface="Arial" panose="020B0604020202020204" pitchFamily="34" charset="0"/>
+              </a:rPr>
+              <a:t>federated loss</a:t>
+            </a:r>
+          </a:p>
+          <a:p>
+            <a:pPr marL="342900" indent="-342900">
+              <a:buAutoNum type="arabicPeriod"/>
+            </a:pPr>
+            <a:r>
+              <a:rPr lang="en-US" altLang="zh-TW" dirty="0"/>
+              <a:t>repeat factor sampling</a:t>
+            </a:r>
+            <a:endParaRPr lang="zh-TW" altLang="en-US" dirty="0"/>
+          </a:p>
+        </p:txBody>
+      </p:sp>
+      <p:sp>
+        <p:nvSpPr>
+          <p:cNvPr id="11" name="文字方塊 10">
+            <a:extLst>
+              <a:ext uri="{FF2B5EF4-FFF2-40B4-BE49-F238E27FC236}">
+                <a16:creationId xmlns:a16="http://schemas.microsoft.com/office/drawing/2014/main" id="{7E108398-355F-413C-A383-D0B8A334695E}"/>
+              </a:ext>
+            </a:extLst>
+          </p:cNvPr>
+          <p:cNvSpPr txBox="1"/>
+          <p:nvPr/>
+        </p:nvSpPr>
+        <p:spPr>
+          <a:xfrm>
+            <a:off x="6368143" y="680417"/>
+            <a:ext cx="2645228" cy="738664"/>
+          </a:xfrm>
+          <a:prstGeom prst="rect">
+            <a:avLst/>
+          </a:prstGeom>
+          <a:noFill/>
+        </p:spPr>
+        <p:txBody>
+          <a:bodyPr wrap="square">
+            <a:spAutoFit/>
+          </a:bodyPr>
+          <a:lstStyle/>
+          <a:p>
+            <a:r>
+              <a:rPr lang="en-US" altLang="zh-TW" b="0" i="0" dirty="0">
+                <a:effectLst/>
+                <a:latin typeface="Arial" panose="020B0604020202020204" pitchFamily="34" charset="0"/>
+              </a:rPr>
+              <a:t>LVIS</a:t>
+            </a:r>
+          </a:p>
+          <a:p>
+            <a:r>
+              <a:rPr lang="en-US" altLang="zh-TW" b="0" i="0" dirty="0">
+                <a:effectLst/>
+                <a:latin typeface="Arial" panose="020B0604020202020204" pitchFamily="34" charset="0"/>
+              </a:rPr>
+              <a:t>1.1203 classes</a:t>
+            </a:r>
+          </a:p>
+          <a:p>
+            <a:r>
+              <a:rPr lang="en-US" altLang="zh-TW" dirty="0"/>
+              <a:t>2.</a:t>
+            </a:r>
+            <a:r>
+              <a:rPr lang="en-US" altLang="zh-TW" b="0" i="0" dirty="0">
+                <a:effectLst/>
+                <a:latin typeface="Arial" panose="020B0604020202020204" pitchFamily="34" charset="0"/>
+              </a:rPr>
+              <a:t> long-tailed object distribution</a:t>
+            </a:r>
+            <a:endParaRPr lang="zh-TW" altLang="en-US" dirty="0"/>
+          </a:p>
+        </p:txBody>
+      </p:sp>
+      <p:cxnSp>
+        <p:nvCxnSpPr>
+          <p:cNvPr id="5" name="直線單箭頭接點 4">
+            <a:extLst>
+              <a:ext uri="{FF2B5EF4-FFF2-40B4-BE49-F238E27FC236}">
+                <a16:creationId xmlns:a16="http://schemas.microsoft.com/office/drawing/2014/main" id="{CB6325FE-E9AA-4B0F-8151-2E942D41211D}"/>
+              </a:ext>
+            </a:extLst>
+          </p:cNvPr>
+          <p:cNvCxnSpPr/>
+          <p:nvPr/>
+        </p:nvCxnSpPr>
+        <p:spPr>
+          <a:xfrm>
+            <a:off x="5437414" y="2966754"/>
+            <a:ext cx="1224643" cy="0"/>
+          </a:xfrm>
+          <a:prstGeom prst="straightConnector1">
+            <a:avLst/>
+          </a:prstGeom>
+          <a:ln>
+            <a:tailEnd type="triangle"/>
+          </a:ln>
+        </p:spPr>
+        <p:style>
+          <a:lnRef idx="1">
+            <a:schemeClr val="accent1"/>
+          </a:lnRef>
+          <a:fillRef idx="0">
+            <a:schemeClr val="accent1"/>
+          </a:fillRef>
+          <a:effectRef idx="0">
+            <a:schemeClr val="accent1"/>
+          </a:effectRef>
+          <a:fontRef idx="minor">
+            <a:schemeClr val="tx1"/>
+          </a:fontRef>
+        </p:style>
+      </p:cxnSp>
+      <p:sp>
+        <p:nvSpPr>
+          <p:cNvPr id="14" name="文字方塊 13">
+            <a:extLst>
+              <a:ext uri="{FF2B5EF4-FFF2-40B4-BE49-F238E27FC236}">
+                <a16:creationId xmlns:a16="http://schemas.microsoft.com/office/drawing/2014/main" id="{B2E79091-B153-453B-81F7-F591BEEC765D}"/>
+              </a:ext>
+            </a:extLst>
+          </p:cNvPr>
+          <p:cNvSpPr txBox="1"/>
+          <p:nvPr/>
+        </p:nvSpPr>
+        <p:spPr>
+          <a:xfrm>
+            <a:off x="6662057" y="2644819"/>
+            <a:ext cx="2351314" cy="307777"/>
+          </a:xfrm>
+          <a:prstGeom prst="rect">
+            <a:avLst/>
+          </a:prstGeom>
+          <a:noFill/>
+        </p:spPr>
+        <p:txBody>
+          <a:bodyPr wrap="square">
+            <a:spAutoFit/>
+          </a:bodyPr>
+          <a:lstStyle/>
+          <a:p>
+            <a:r>
+              <a:rPr lang="en-US" altLang="zh-TW" dirty="0"/>
+              <a:t>HTC+CBNetV2+2*Swim-L</a:t>
+            </a:r>
+            <a:endParaRPr lang="zh-TW" altLang="en-US" dirty="0"/>
+          </a:p>
+        </p:txBody>
+      </p:sp>
+    </p:spTree>
+    <p:extLst>
+      <p:ext uri="{BB962C8B-B14F-4D97-AF65-F5344CB8AC3E}">
+        <p14:creationId xmlns:p14="http://schemas.microsoft.com/office/powerpoint/2010/main" val="3986628821"/>
+      </p:ext>
+    </p:extLst>
+  </p:cSld>
+  <p:clrMapOvr>
+    <a:masterClrMapping/>
+  </p:clrMapOvr>
+  <p:transition spd="slow">
+    <p:push/>
+  </p:transition>
+</p:sld>
+</file>
+
+<file path=ppt/slides/slide27.xml><?xml version="1.0" encoding="utf-8"?>
+<p:sld xmlns:a="http://schemas.openxmlformats.org/drawingml/2006/main" xmlns:r="http://schemas.openxmlformats.org/officeDocument/2006/relationships" xmlns:p="http://schemas.openxmlformats.org/presentationml/2006/main">
+  <p:cSld>
+    <p:spTree>
+      <p:nvGrpSpPr>
+        <p:cNvPr id="1" name="Shape 175"/>
+        <p:cNvGrpSpPr/>
+        <p:nvPr/>
+      </p:nvGrpSpPr>
+      <p:grpSpPr>
+        <a:xfrm>
+          <a:off x="0" y="0"/>
+          <a:ext cx="0" cy="0"/>
+          <a:chOff x="0" y="0"/>
+          <a:chExt cx="0" cy="0"/>
+        </a:xfrm>
+      </p:grpSpPr>
+      <p:sp>
+        <p:nvSpPr>
+          <p:cNvPr id="176" name="Google Shape;176;p29"/>
+          <p:cNvSpPr/>
+          <p:nvPr/>
+        </p:nvSpPr>
+        <p:spPr>
+          <a:xfrm>
+            <a:off x="0" y="1681046"/>
+            <a:ext cx="9144000" cy="1781400"/>
+          </a:xfrm>
+          <a:prstGeom prst="rect">
+            <a:avLst/>
+          </a:prstGeom>
+          <a:solidFill>
+            <a:srgbClr val="08244A"/>
+          </a:solidFill>
+          <a:ln>
+            <a:noFill/>
+          </a:ln>
+        </p:spPr>
+        <p:txBody>
+          <a:bodyPr spcFirstLastPara="1" wrap="square" lIns="68575" tIns="34275" rIns="68575" bIns="34275" anchor="ctr" anchorCtr="0">
+            <a:noAutofit/>
+          </a:bodyPr>
+          <a:lstStyle/>
+          <a:p>
+            <a:pPr marL="0" marR="0" lvl="0" indent="0" algn="ctr" rtl="0">
+              <a:spcBef>
+                <a:spcPts val="0"/>
+              </a:spcBef>
+              <a:spcAft>
+                <a:spcPts val="0"/>
+              </a:spcAft>
+              <a:buNone/>
+            </a:pPr>
+            <a:endParaRPr sz="1400" b="0" i="0" u="none" strike="noStrike" cap="none">
+              <a:solidFill>
+                <a:schemeClr val="lt1"/>
+              </a:solidFill>
+              <a:latin typeface="Arial"/>
+              <a:ea typeface="Arial"/>
+              <a:cs typeface="Arial"/>
+              <a:sym typeface="Arial"/>
+            </a:endParaRPr>
+          </a:p>
+        </p:txBody>
+      </p:sp>
+      <p:sp>
+        <p:nvSpPr>
+          <p:cNvPr id="177" name="Google Shape;177;p29"/>
+          <p:cNvSpPr txBox="1"/>
+          <p:nvPr/>
+        </p:nvSpPr>
+        <p:spPr>
+          <a:xfrm>
+            <a:off x="2154300" y="2148446"/>
+            <a:ext cx="4835400" cy="423300"/>
+          </a:xfrm>
+          <a:prstGeom prst="rect">
+            <a:avLst/>
+          </a:prstGeom>
+          <a:noFill/>
+          <a:ln>
+            <a:noFill/>
+          </a:ln>
+        </p:spPr>
+        <p:txBody>
+          <a:bodyPr spcFirstLastPara="1" wrap="square" lIns="68575" tIns="34275" rIns="68575" bIns="34275" anchor="t" anchorCtr="0">
+            <a:spAutoFit/>
+          </a:bodyPr>
+          <a:lstStyle/>
+          <a:p>
+            <a:pPr marL="0" marR="0" lvl="0" indent="0" algn="ctr" rtl="0">
+              <a:spcBef>
+                <a:spcPts val="0"/>
+              </a:spcBef>
+              <a:spcAft>
+                <a:spcPts val="0"/>
+              </a:spcAft>
+              <a:buNone/>
+            </a:pPr>
+            <a:r>
+              <a:rPr lang="en-US" altLang="zh-TW" sz="2300" b="1" dirty="0">
+                <a:solidFill>
+                  <a:schemeClr val="lt1"/>
+                </a:solidFill>
+                <a:latin typeface="Microsoft JhengHei"/>
+                <a:ea typeface="Microsoft JhengHei"/>
+                <a:cs typeface="Microsoft JhengHei"/>
+                <a:sym typeface="Microsoft JhengHei"/>
+              </a:rPr>
+              <a:t>Conclusion </a:t>
+            </a:r>
+            <a:endParaRPr sz="1700" b="1" dirty="0">
+              <a:solidFill>
+                <a:schemeClr val="lt1"/>
+              </a:solidFill>
+              <a:latin typeface="Microsoft JhengHei"/>
+              <a:ea typeface="Microsoft JhengHei"/>
+              <a:cs typeface="Microsoft JhengHei"/>
+              <a:sym typeface="Microsoft JhengHei"/>
+            </a:endParaRPr>
+          </a:p>
+        </p:txBody>
+      </p:sp>
+      <p:cxnSp>
+        <p:nvCxnSpPr>
+          <p:cNvPr id="178" name="Google Shape;178;p29"/>
+          <p:cNvCxnSpPr/>
+          <p:nvPr/>
+        </p:nvCxnSpPr>
+        <p:spPr>
+          <a:xfrm>
+            <a:off x="0" y="2326072"/>
+            <a:ext cx="1225800" cy="0"/>
+          </a:xfrm>
+          <a:prstGeom prst="straightConnector1">
+            <a:avLst/>
+          </a:prstGeom>
+          <a:noFill/>
+          <a:ln w="12700" cap="flat" cmpd="sng">
+            <a:solidFill>
+              <a:schemeClr val="lt1"/>
+            </a:solidFill>
+            <a:prstDash val="solid"/>
+            <a:miter lim="800000"/>
+            <a:headEnd type="none" w="sm" len="sm"/>
+            <a:tailEnd type="none" w="sm" len="sm"/>
+          </a:ln>
+        </p:spPr>
+      </p:cxnSp>
+      <p:cxnSp>
+        <p:nvCxnSpPr>
+          <p:cNvPr id="179" name="Google Shape;179;p29"/>
+          <p:cNvCxnSpPr/>
+          <p:nvPr/>
+        </p:nvCxnSpPr>
+        <p:spPr>
+          <a:xfrm>
+            <a:off x="7918133" y="2326072"/>
+            <a:ext cx="1225800" cy="0"/>
+          </a:xfrm>
+          <a:prstGeom prst="straightConnector1">
+            <a:avLst/>
+          </a:prstGeom>
+          <a:noFill/>
+          <a:ln w="12700" cap="flat" cmpd="sng">
+            <a:solidFill>
+              <a:schemeClr val="lt1"/>
+            </a:solidFill>
+            <a:prstDash val="solid"/>
+            <a:miter lim="800000"/>
+            <a:headEnd type="none" w="sm" len="sm"/>
+            <a:tailEnd type="none" w="sm" len="sm"/>
+          </a:ln>
+        </p:spPr>
+      </p:cxnSp>
+      <p:sp>
+        <p:nvSpPr>
+          <p:cNvPr id="180" name="Google Shape;180;p29"/>
+          <p:cNvSpPr txBox="1"/>
+          <p:nvPr/>
+        </p:nvSpPr>
+        <p:spPr>
+          <a:xfrm>
+            <a:off x="7422919" y="4868275"/>
+            <a:ext cx="1660500" cy="238500"/>
+          </a:xfrm>
+          <a:prstGeom prst="rect">
+            <a:avLst/>
+          </a:prstGeom>
+          <a:noFill/>
+          <a:ln>
+            <a:noFill/>
+          </a:ln>
+        </p:spPr>
+        <p:txBody>
+          <a:bodyPr spcFirstLastPara="1" wrap="square" lIns="68575" tIns="34275" rIns="68575" bIns="34275" anchor="t" anchorCtr="0">
+            <a:spAutoFit/>
+          </a:bodyPr>
+          <a:lstStyle/>
+          <a:p>
+            <a:pPr marL="0" marR="0" lvl="0" indent="0" algn="r" rtl="0">
+              <a:spcBef>
+                <a:spcPts val="0"/>
+              </a:spcBef>
+              <a:spcAft>
+                <a:spcPts val="0"/>
+              </a:spcAft>
+              <a:buNone/>
+            </a:pPr>
+            <a:r>
+              <a:rPr lang="zh-TW" sz="1100">
+                <a:solidFill>
+                  <a:srgbClr val="A5A5A5"/>
+                </a:solidFill>
+                <a:latin typeface="Consolas"/>
+                <a:ea typeface="Consolas"/>
+                <a:cs typeface="Consolas"/>
+                <a:sym typeface="Consolas"/>
+              </a:rPr>
+              <a:t>NTUST GAMELab</a:t>
+            </a:r>
+            <a:endParaRPr sz="1100">
+              <a:solidFill>
+                <a:srgbClr val="A5A5A5"/>
+              </a:solidFill>
+              <a:latin typeface="Consolas"/>
+              <a:ea typeface="Consolas"/>
+              <a:cs typeface="Consolas"/>
+              <a:sym typeface="Consolas"/>
+            </a:endParaRPr>
+          </a:p>
+        </p:txBody>
+      </p:sp>
+    </p:spTree>
+    <p:extLst>
+      <p:ext uri="{BB962C8B-B14F-4D97-AF65-F5344CB8AC3E}">
+        <p14:creationId xmlns:p14="http://schemas.microsoft.com/office/powerpoint/2010/main" val="249828917"/>
+      </p:ext>
+    </p:extLst>
+  </p:cSld>
+  <p:clrMapOvr>
+    <a:masterClrMapping/>
+  </p:clrMapOvr>
+</p:sld>
+</file>
+
+<file path=ppt/slides/slide28.xml><?xml version="1.0" encoding="utf-8"?>
+<p:sld xmlns:a="http://schemas.openxmlformats.org/drawingml/2006/main" xmlns:r="http://schemas.openxmlformats.org/officeDocument/2006/relationships" xmlns:p="http://schemas.openxmlformats.org/presentationml/2006/main">
+  <p:cSld>
+    <p:spTree>
+      <p:nvGrpSpPr>
+        <p:cNvPr id="1" name="Shape 163"/>
+        <p:cNvGrpSpPr/>
+        <p:nvPr/>
+      </p:nvGrpSpPr>
+      <p:grpSpPr>
+        <a:xfrm>
+          <a:off x="0" y="0"/>
+          <a:ext cx="0" cy="0"/>
+          <a:chOff x="0" y="0"/>
+          <a:chExt cx="0" cy="0"/>
+        </a:xfrm>
+      </p:grpSpPr>
+      <p:cxnSp>
+        <p:nvCxnSpPr>
+          <p:cNvPr id="164" name="Google Shape;164;p28"/>
+          <p:cNvCxnSpPr/>
+          <p:nvPr/>
+        </p:nvCxnSpPr>
+        <p:spPr>
+          <a:xfrm rot="10800000">
+            <a:off x="471906" y="672952"/>
+            <a:ext cx="8200200" cy="0"/>
+          </a:xfrm>
+          <a:prstGeom prst="straightConnector1">
+            <a:avLst/>
+          </a:prstGeom>
+          <a:noFill/>
+          <a:ln w="38100" cap="flat" cmpd="sng">
+            <a:solidFill>
+              <a:srgbClr val="08244A"/>
+            </a:solidFill>
+            <a:prstDash val="solid"/>
+            <a:miter lim="800000"/>
+            <a:headEnd type="none" w="sm" len="sm"/>
+            <a:tailEnd type="none" w="sm" len="sm"/>
+          </a:ln>
+        </p:spPr>
+      </p:cxnSp>
+      <p:sp>
+        <p:nvSpPr>
+          <p:cNvPr id="165" name="Google Shape;165;p28"/>
+          <p:cNvSpPr txBox="1"/>
+          <p:nvPr/>
+        </p:nvSpPr>
+        <p:spPr>
+          <a:xfrm>
+            <a:off x="4312990" y="4919588"/>
+            <a:ext cx="518100" cy="238500"/>
+          </a:xfrm>
+          <a:prstGeom prst="rect">
+            <a:avLst/>
+          </a:prstGeom>
+          <a:solidFill>
+            <a:srgbClr val="08244A"/>
+          </a:solidFill>
+          <a:ln>
+            <a:noFill/>
+          </a:ln>
+        </p:spPr>
+        <p:txBody>
+          <a:bodyPr spcFirstLastPara="1" wrap="square" lIns="68575" tIns="34275" rIns="68575" bIns="34275" anchor="t" anchorCtr="0">
+            <a:spAutoFit/>
+          </a:bodyPr>
+          <a:lstStyle/>
+          <a:p>
+            <a:pPr marL="0" marR="0" lvl="0" indent="0" algn="ctr" rtl="0">
+              <a:spcBef>
+                <a:spcPts val="0"/>
+              </a:spcBef>
+              <a:spcAft>
+                <a:spcPts val="0"/>
+              </a:spcAft>
+              <a:buNone/>
+            </a:pPr>
+            <a:endParaRPr sz="1100">
+              <a:solidFill>
+                <a:schemeClr val="lt1"/>
+              </a:solidFill>
+              <a:latin typeface="Arial"/>
+              <a:ea typeface="Arial"/>
+              <a:cs typeface="Arial"/>
+              <a:sym typeface="Arial"/>
+            </a:endParaRPr>
+          </a:p>
+        </p:txBody>
+      </p:sp>
+      <p:sp>
+        <p:nvSpPr>
+          <p:cNvPr id="166" name="Google Shape;166;p28"/>
+          <p:cNvSpPr txBox="1"/>
+          <p:nvPr/>
+        </p:nvSpPr>
+        <p:spPr>
+          <a:xfrm>
+            <a:off x="7422919" y="4868275"/>
+            <a:ext cx="1660500" cy="238500"/>
+          </a:xfrm>
+          <a:prstGeom prst="rect">
+            <a:avLst/>
+          </a:prstGeom>
+          <a:noFill/>
+          <a:ln>
+            <a:noFill/>
+          </a:ln>
+        </p:spPr>
+        <p:txBody>
+          <a:bodyPr spcFirstLastPara="1" wrap="square" lIns="68575" tIns="34275" rIns="68575" bIns="34275" anchor="t" anchorCtr="0">
+            <a:spAutoFit/>
+          </a:bodyPr>
+          <a:lstStyle/>
+          <a:p>
+            <a:pPr marL="0" marR="0" lvl="0" indent="0" algn="r" rtl="0">
+              <a:spcBef>
+                <a:spcPts val="0"/>
+              </a:spcBef>
+              <a:spcAft>
+                <a:spcPts val="0"/>
+              </a:spcAft>
+              <a:buNone/>
+            </a:pPr>
+            <a:r>
+              <a:rPr lang="zh-TW" sz="1100">
+                <a:solidFill>
+                  <a:srgbClr val="A5A5A5"/>
+                </a:solidFill>
+                <a:latin typeface="Consolas"/>
+                <a:ea typeface="Consolas"/>
+                <a:cs typeface="Consolas"/>
+                <a:sym typeface="Consolas"/>
+              </a:rPr>
+              <a:t>NTUST GAMELab</a:t>
+            </a:r>
+            <a:endParaRPr sz="1100">
+              <a:solidFill>
+                <a:srgbClr val="A5A5A5"/>
+              </a:solidFill>
+              <a:latin typeface="Consolas"/>
+              <a:ea typeface="Consolas"/>
+              <a:cs typeface="Consolas"/>
+              <a:sym typeface="Consolas"/>
+            </a:endParaRPr>
+          </a:p>
+        </p:txBody>
+      </p:sp>
+      <p:sp>
+        <p:nvSpPr>
+          <p:cNvPr id="167" name="Google Shape;167;p28"/>
+          <p:cNvSpPr txBox="1">
+            <a:spLocks noGrp="1"/>
+          </p:cNvSpPr>
+          <p:nvPr>
+            <p:ph type="sldNum" idx="12"/>
+          </p:nvPr>
+        </p:nvSpPr>
+        <p:spPr>
+          <a:xfrm>
+            <a:off x="3543300" y="4904660"/>
+            <a:ext cx="2057400" cy="273900"/>
+          </a:xfrm>
+          <a:prstGeom prst="rect">
+            <a:avLst/>
+          </a:prstGeom>
+          <a:noFill/>
+          <a:ln>
+            <a:noFill/>
+          </a:ln>
+        </p:spPr>
+        <p:txBody>
+          <a:bodyPr spcFirstLastPara="1" wrap="square" lIns="68575" tIns="34275" rIns="68575" bIns="34275" anchor="ctr" anchorCtr="0">
+            <a:noAutofit/>
+          </a:bodyPr>
+          <a:lstStyle/>
+          <a:p>
+            <a:pPr marL="0" lvl="0" indent="0" algn="ctr" rtl="0">
+              <a:spcBef>
+                <a:spcPts val="0"/>
+              </a:spcBef>
+              <a:spcAft>
+                <a:spcPts val="0"/>
+              </a:spcAft>
+              <a:buNone/>
+            </a:pPr>
+            <a:fld id="{00000000-1234-1234-1234-123412341234}" type="slidenum">
+              <a:rPr lang="en-US" altLang="zh-TW" sz="1100"/>
+              <a:t>28</a:t>
+            </a:fld>
+            <a:endParaRPr sz="1100"/>
+          </a:p>
+        </p:txBody>
+      </p:sp>
+      <p:sp>
+        <p:nvSpPr>
+          <p:cNvPr id="168" name="Google Shape;168;p28"/>
+          <p:cNvSpPr txBox="1"/>
+          <p:nvPr/>
+        </p:nvSpPr>
+        <p:spPr>
+          <a:xfrm>
+            <a:off x="575084" y="273102"/>
+            <a:ext cx="8539843" cy="392385"/>
+          </a:xfrm>
+          <a:prstGeom prst="rect">
+            <a:avLst/>
+          </a:prstGeom>
+          <a:noFill/>
+          <a:ln>
+            <a:noFill/>
+          </a:ln>
+        </p:spPr>
+        <p:txBody>
+          <a:bodyPr spcFirstLastPara="1" wrap="square" lIns="68575" tIns="34275" rIns="68575" bIns="34275" anchor="t" anchorCtr="0">
+            <a:spAutoFit/>
+          </a:bodyPr>
+          <a:lstStyle/>
+          <a:p>
+            <a:pPr marL="0" marR="0" lvl="0" indent="0" algn="l" rtl="0">
+              <a:spcBef>
+                <a:spcPts val="0"/>
+              </a:spcBef>
+              <a:spcAft>
+                <a:spcPts val="0"/>
+              </a:spcAft>
+              <a:buNone/>
+            </a:pPr>
+            <a:r>
+              <a:rPr lang="en-US" sz="2100" b="1" dirty="0">
+                <a:solidFill>
+                  <a:srgbClr val="08244A"/>
+                </a:solidFill>
+                <a:latin typeface="Microsoft JhengHei"/>
+                <a:ea typeface="Microsoft JhengHei"/>
+                <a:cs typeface="Microsoft JhengHei"/>
+                <a:sym typeface="Microsoft JhengHei"/>
+              </a:rPr>
+              <a:t>Experiments - Comparisons with Hierarchical Backbones</a:t>
+            </a:r>
+          </a:p>
+        </p:txBody>
+      </p:sp>
       <p:sp>
         <p:nvSpPr>
           <p:cNvPr id="12" name="文字方塊 11">
@@ -30187,7 +31381,7 @@
                 <a:effectLst/>
                 <a:latin typeface="Arial" panose="020B0604020202020204" pitchFamily="34" charset="0"/>
               </a:rPr>
-              <a:t>adopt soft-</a:t>
+              <a:t>Adopt soft-</a:t>
             </a:r>
             <a:r>
               <a:rPr lang="en-US" altLang="zh-TW" b="0" i="0" dirty="0" err="1">
@@ -30233,7 +31427,7 @@
     </p:spTree>
     <p:extLst>
       <p:ext uri="{BB962C8B-B14F-4D97-AF65-F5344CB8AC3E}">
-        <p14:creationId xmlns:p14="http://schemas.microsoft.com/office/powerpoint/2010/main" val="3986628821"/>
+        <p14:creationId xmlns:p14="http://schemas.microsoft.com/office/powerpoint/2010/main" val="2223204641"/>
       </p:ext>
     </p:extLst>
   </p:cSld>
@@ -30246,7 +31440,7 @@
 </p:sld>
 </file>
 
-<file path=ppt/slides/slide27.xml><?xml version="1.0" encoding="utf-8"?>
+<file path=ppt/slides/slide29.xml><?xml version="1.0" encoding="utf-8"?>
 <p:sld xmlns:a="http://schemas.openxmlformats.org/drawingml/2006/main" xmlns:r="http://schemas.openxmlformats.org/officeDocument/2006/relationships" xmlns:p="http://schemas.openxmlformats.org/presentationml/2006/main">
   <p:cSld>
     <p:spTree>
@@ -30451,7 +31645,7 @@
             </a:pPr>
             <a:fld id="{00000000-1234-1234-1234-123412341234}" type="slidenum">
               <a:rPr lang="en-US" altLang="zh-TW"/>
-              <a:t>27</a:t>
+              <a:t>29</a:t>
             </a:fld>
             <a:endParaRPr/>
           </a:p>

--- a/Exploring Plain Vision Transformer Backbones for Object Detection_M11015039.pptx
+++ b/Exploring Plain Vision Transformer Backbones for Object Detection_M11015039.pptx
@@ -1230,32 +1230,16 @@
               <a:defRPr/>
             </a:pPr>
             <a:r>
+              <a:rPr lang="zh-TW" altLang="en-US" dirty="0"/>
+              <a:t>本文著重研究再不調整主幹的狀況下去分析結果</a:t>
+            </a:r>
+            <a:r>
               <a:rPr lang="en-US" altLang="zh-TW" dirty="0"/>
-              <a:t>4.</a:t>
+              <a:t>. </a:t>
             </a:r>
             <a:r>
               <a:rPr lang="zh-TW" altLang="en-US" dirty="0"/>
-              <a:t>作者認為以</a:t>
-            </a:r>
-            <a:r>
-              <a:rPr lang="en-US" altLang="zh-TW" dirty="0"/>
-              <a:t>Vit</a:t>
-            </a:r>
-            <a:r>
-              <a:rPr lang="zh-TW" altLang="en-US" dirty="0"/>
-              <a:t>去取代</a:t>
-            </a:r>
-            <a:r>
-              <a:rPr lang="zh-TW" altLang="en-US" sz="1100" b="1" dirty="0">
-                <a:solidFill>
-                  <a:srgbClr val="08244A"/>
-                </a:solidFill>
-                <a:latin typeface="Microsoft JhengHei"/>
-                <a:ea typeface="Microsoft JhengHei"/>
-                <a:cs typeface="Microsoft JhengHei"/>
-                <a:sym typeface="Microsoft JhengHei"/>
-              </a:rPr>
-              <a:t>主幹是可以輕易實現的</a:t>
+              <a:t>並保持主幹與偵測頭的完整性</a:t>
             </a:r>
             <a:endParaRPr dirty="0"/>
           </a:p>
@@ -1436,34 +1420,6 @@
               <a:tabLst/>
               <a:defRPr/>
             </a:pPr>
-            <a:r>
-              <a:rPr lang="en-US" altLang="zh-TW" dirty="0"/>
-              <a:t>4.</a:t>
-            </a:r>
-            <a:r>
-              <a:rPr lang="zh-TW" altLang="en-US" dirty="0"/>
-              <a:t>作者認為以</a:t>
-            </a:r>
-            <a:r>
-              <a:rPr lang="en-US" altLang="zh-TW" dirty="0"/>
-              <a:t>Vit</a:t>
-            </a:r>
-            <a:r>
-              <a:rPr lang="zh-TW" altLang="en-US" dirty="0"/>
-              <a:t>去取代</a:t>
-            </a:r>
-            <a:r>
-              <a:rPr lang="zh-TW" altLang="en-US" sz="1100" b="1" dirty="0">
-                <a:solidFill>
-                  <a:srgbClr val="08244A"/>
-                </a:solidFill>
-                <a:latin typeface="Microsoft JhengHei"/>
-                <a:ea typeface="Microsoft JhengHei"/>
-                <a:cs typeface="Microsoft JhengHei"/>
-                <a:sym typeface="Microsoft JhengHei"/>
-              </a:rPr>
-              <a:t>主幹是可以輕易實現的</a:t>
-            </a:r>
             <a:endParaRPr dirty="0"/>
           </a:p>
         </p:txBody>
@@ -3125,14 +3081,14 @@
             </a:pPr>
             <a:r>
               <a:rPr lang="en-US" dirty="0"/>
-              <a:t>Both &gt; base line </a:t>
+              <a:t>Both &gt; base line 2.4</a:t>
             </a:r>
             <a:r>
               <a:rPr lang="en-US" altLang="zh-TW" b="0" i="0" dirty="0">
                 <a:effectLst/>
                 <a:latin typeface="Arial" panose="020B0604020202020204" pitchFamily="34" charset="0"/>
               </a:rPr>
-              <a:t>3.4 points </a:t>
+              <a:t> points </a:t>
             </a:r>
             <a:r>
               <a:rPr lang="zh-TW" altLang="en-US" b="0" i="0" dirty="0">
@@ -5745,6 +5701,141 @@
               <a:tabLst/>
               <a:defRPr/>
             </a:pPr>
+            <a:r>
+              <a:rPr lang="en-US" altLang="zh-TW" dirty="0"/>
+              <a:t>plain-backbone </a:t>
+            </a:r>
+            <a:r>
+              <a:rPr lang="zh-TW" altLang="en-US" dirty="0"/>
+              <a:t>檢測是一個很有前途的研究方向。</a:t>
+            </a:r>
+            <a:br>
+              <a:rPr lang="en-US" altLang="zh-TW" dirty="0"/>
+            </a:br>
+            <a:r>
+              <a:rPr lang="zh-TW" altLang="en-US" dirty="0"/>
+              <a:t>這種方法在很大程度上保持了通用主幹網和下游任務特定設計的獨立性。</a:t>
+            </a:r>
+          </a:p>
+          <a:p>
+            <a:pPr marL="228600" marR="0" lvl="0" indent="-228600" algn="l" defTabSz="914400" rtl="0" eaLnBrk="1" fontAlgn="auto" latinLnBrk="0" hangingPunct="1">
+              <a:lnSpc>
+                <a:spcPct val="100000"/>
+              </a:lnSpc>
+              <a:spcBef>
+                <a:spcPts val="0"/>
+              </a:spcBef>
+              <a:spcAft>
+                <a:spcPts val="0"/>
+              </a:spcAft>
+              <a:buClr>
+                <a:schemeClr val="dk1"/>
+              </a:buClr>
+              <a:buSzPts val="1200"/>
+              <a:buFont typeface="Calibri"/>
+              <a:buAutoNum type="arabicPeriod"/>
+              <a:tabLst/>
+              <a:defRPr/>
+            </a:pPr>
+            <a:r>
+              <a:rPr lang="zh-TW" altLang="en-US" dirty="0"/>
+              <a:t>我們希望將預訓練與微調分離是一種普遍有益於社區的方法。</a:t>
+            </a:r>
+            <a:br>
+              <a:rPr lang="en-US" altLang="zh-TW" dirty="0"/>
+            </a:br>
+            <a:r>
+              <a:rPr lang="zh-TW" altLang="en-US" dirty="0"/>
+              <a:t>例如，在自然語言處理中，通用預訓練極大地推動了該領域的發展，並一直支持各種下游任務。</a:t>
+            </a:r>
+          </a:p>
+          <a:p>
+            <a:pPr marL="228600" marR="0" lvl="0" indent="-228600" algn="l" defTabSz="914400" rtl="0" eaLnBrk="1" fontAlgn="auto" latinLnBrk="0" hangingPunct="1">
+              <a:lnSpc>
+                <a:spcPct val="100000"/>
+              </a:lnSpc>
+              <a:spcBef>
+                <a:spcPts val="0"/>
+              </a:spcBef>
+              <a:spcAft>
+                <a:spcPts val="0"/>
+              </a:spcAft>
+              <a:buClr>
+                <a:schemeClr val="dk1"/>
+              </a:buClr>
+              <a:buSzPts val="1200"/>
+              <a:buFont typeface="Calibri"/>
+              <a:buAutoNum type="arabicPeriod"/>
+              <a:tabLst/>
+              <a:defRPr/>
+            </a:pPr>
+            <a:r>
+              <a:rPr lang="zh-TW" altLang="en-US" dirty="0"/>
+              <a:t>在這項研究中，我們的普通骨幹檢測器受益於 </a:t>
+            </a:r>
+            <a:r>
+              <a:rPr lang="en-US" altLang="zh-TW" dirty="0"/>
+              <a:t>MAE </a:t>
+            </a:r>
+            <a:r>
+              <a:rPr lang="zh-TW" altLang="en-US" dirty="0"/>
+              <a:t>提供的現成的預訓練模型。</a:t>
+            </a:r>
+          </a:p>
+          <a:p>
+            <a:pPr marL="228600" marR="0" lvl="0" indent="-228600" algn="l" defTabSz="914400" rtl="0" eaLnBrk="1" fontAlgn="auto" latinLnBrk="0" hangingPunct="1">
+              <a:lnSpc>
+                <a:spcPct val="100000"/>
+              </a:lnSpc>
+              <a:spcBef>
+                <a:spcPts val="0"/>
+              </a:spcBef>
+              <a:spcAft>
+                <a:spcPts val="0"/>
+              </a:spcAft>
+              <a:buClr>
+                <a:schemeClr val="dk1"/>
+              </a:buClr>
+              <a:buSzPts val="1200"/>
+              <a:buFont typeface="Calibri"/>
+              <a:buAutoNum type="arabicPeriod"/>
+              <a:tabLst/>
+              <a:defRPr/>
+            </a:pPr>
+            <a:endParaRPr lang="zh-TW" altLang="en-US" dirty="0"/>
+          </a:p>
+          <a:p>
+            <a:pPr marL="228600" marR="0" lvl="0" indent="-228600" algn="l" defTabSz="914400" rtl="0" eaLnBrk="1" fontAlgn="auto" latinLnBrk="0" hangingPunct="1">
+              <a:lnSpc>
+                <a:spcPct val="100000"/>
+              </a:lnSpc>
+              <a:spcBef>
+                <a:spcPts val="0"/>
+              </a:spcBef>
+              <a:spcAft>
+                <a:spcPts val="0"/>
+              </a:spcAft>
+              <a:buClr>
+                <a:schemeClr val="dk1"/>
+              </a:buClr>
+              <a:buSzPts val="1200"/>
+              <a:buFont typeface="Calibri"/>
+              <a:buAutoNum type="arabicPeriod"/>
+              <a:tabLst/>
+              <a:defRPr/>
+            </a:pPr>
+            <a:r>
+              <a:rPr lang="zh-TW" altLang="en-US" dirty="0"/>
+              <a:t>我們希望這種方法也有助於拉近計算機視覺和 </a:t>
+            </a:r>
+            <a:r>
+              <a:rPr lang="en-US" altLang="zh-TW" dirty="0"/>
+              <a:t>NLP </a:t>
+            </a:r>
+            <a:r>
+              <a:rPr lang="zh-TW" altLang="en-US" dirty="0"/>
+              <a:t>領域的距離。</a:t>
+            </a:r>
             <a:endParaRPr dirty="0"/>
           </a:p>
         </p:txBody>
@@ -23109,7 +23200,7 @@
         <p:spPr>
           <a:xfrm>
             <a:off x="446000" y="917225"/>
-            <a:ext cx="8420414" cy="1800463"/>
+            <a:ext cx="8420414" cy="3093124"/>
           </a:xfrm>
           <a:prstGeom prst="rect">
             <a:avLst/>
@@ -23139,7 +23230,7 @@
               <a:buAutoNum type="arabicPeriod"/>
             </a:pPr>
             <a:r>
-              <a:rPr lang="en-US" altLang="zh-TW" b="0" i="0" dirty="0">
+              <a:rPr lang="en-US" altLang="zh-TW" sz="1800" b="0" i="0" dirty="0">
                 <a:effectLst/>
                 <a:latin typeface="Arial" panose="020B0604020202020204" pitchFamily="34" charset="0"/>
               </a:rPr>
@@ -23161,35 +23252,35 @@
               <a:buAutoNum type="arabicPeriod"/>
             </a:pPr>
             <a:r>
-              <a:rPr lang="en-US" altLang="zh-TW" b="0" i="0" dirty="0">
+              <a:rPr lang="en-US" altLang="zh-TW" sz="1800" b="0" i="0" dirty="0">
                 <a:effectLst/>
                 <a:latin typeface="Arial" panose="020B0604020202020204" pitchFamily="34" charset="0"/>
               </a:rPr>
               <a:t>SSD is the first works that leverage the hierarchical nature of the </a:t>
             </a:r>
             <a:r>
-              <a:rPr lang="en-US" altLang="zh-TW" b="0" i="0" dirty="0" err="1">
+              <a:rPr lang="en-US" altLang="zh-TW" sz="1800" b="0" i="0" dirty="0" err="1">
                 <a:effectLst/>
                 <a:latin typeface="Arial" panose="020B0604020202020204" pitchFamily="34" charset="0"/>
               </a:rPr>
               <a:t>ConvNet</a:t>
             </a:r>
             <a:r>
-              <a:rPr lang="en-US" altLang="zh-TW" b="0" i="0" dirty="0">
+              <a:rPr lang="en-US" altLang="zh-TW" sz="1800" b="0" i="0" dirty="0">
                 <a:effectLst/>
                 <a:latin typeface="Arial" panose="020B0604020202020204" pitchFamily="34" charset="0"/>
               </a:rPr>
               <a:t> backbones</a:t>
             </a:r>
             <a:r>
-              <a:rPr lang="zh-TW" altLang="en-US" b="0" i="0" dirty="0">
+              <a:rPr lang="zh-TW" altLang="en-US" sz="1800" b="0" i="0" dirty="0">
                 <a:effectLst/>
                 <a:latin typeface="Arial" panose="020B0604020202020204" pitchFamily="34" charset="0"/>
               </a:rPr>
               <a:t> </a:t>
             </a:r>
             <a:r>
-              <a:rPr lang="en-US" altLang="zh-TW" b="0" i="0" dirty="0">
+              <a:rPr lang="en-US" altLang="zh-TW" sz="1800" b="0" i="0" dirty="0">
                 <a:effectLst/>
                 <a:latin typeface="Arial" panose="020B0604020202020204" pitchFamily="34" charset="0"/>
               </a:rPr>
@@ -23211,7 +23302,7 @@
               <a:buAutoNum type="arabicPeriod"/>
             </a:pPr>
             <a:r>
-              <a:rPr lang="en-US" altLang="zh-TW" b="0" i="0" dirty="0">
+              <a:rPr lang="en-US" altLang="zh-TW" sz="1800" b="0" i="0" dirty="0">
                 <a:effectLst/>
                 <a:latin typeface="Arial" panose="020B0604020202020204" pitchFamily="34" charset="0"/>
               </a:rPr>
@@ -23233,84 +23324,84 @@
               <a:buAutoNum type="arabicPeriod"/>
             </a:pPr>
             <a:r>
-              <a:rPr lang="en-US" altLang="zh-TW" b="0" i="0" dirty="0" err="1">
+              <a:rPr lang="en-US" altLang="zh-TW" sz="1800" b="0" i="0" dirty="0" err="1">
                 <a:effectLst/>
                 <a:latin typeface="Arial" panose="020B0604020202020204" pitchFamily="34" charset="0"/>
               </a:rPr>
               <a:t>ViT</a:t>
             </a:r>
             <a:r>
-              <a:rPr lang="en-US" altLang="zh-TW" b="0" i="0" dirty="0">
+              <a:rPr lang="en-US" altLang="zh-TW" sz="1800" b="0" i="0" dirty="0">
                 <a:effectLst/>
                 <a:latin typeface="Arial" panose="020B0604020202020204" pitchFamily="34" charset="0"/>
               </a:rPr>
               <a:t> is a powerful alternative to standard </a:t>
             </a:r>
             <a:r>
-              <a:rPr lang="en-US" altLang="zh-TW" b="0" i="0" dirty="0" err="1">
+              <a:rPr lang="en-US" altLang="zh-TW" sz="1800" b="0" i="0" dirty="0" err="1">
                 <a:effectLst/>
                 <a:latin typeface="Arial" panose="020B0604020202020204" pitchFamily="34" charset="0"/>
               </a:rPr>
               <a:t>ConvNets</a:t>
             </a:r>
             <a:r>
-              <a:rPr lang="en-US" altLang="zh-TW" b="0" i="0" dirty="0">
+              <a:rPr lang="en-US" altLang="zh-TW" sz="1800" b="0" i="0" dirty="0">
                 <a:effectLst/>
                 <a:latin typeface="Arial" panose="020B0604020202020204" pitchFamily="34" charset="0"/>
               </a:rPr>
               <a:t> for image classification.</a:t>
             </a:r>
             <a:r>
-              <a:rPr lang="zh-TW" altLang="en-US" b="0" i="0" dirty="0">
+              <a:rPr lang="zh-TW" altLang="en-US" sz="1800" b="0" i="0" dirty="0">
                 <a:effectLst/>
                 <a:latin typeface="Arial" panose="020B0604020202020204" pitchFamily="34" charset="0"/>
               </a:rPr>
               <a:t> </a:t>
             </a:r>
             <a:r>
-              <a:rPr lang="en-US" altLang="zh-TW" b="0" i="0" dirty="0">
+              <a:rPr lang="en-US" altLang="zh-TW" sz="1800" b="0" i="0" dirty="0">
                 <a:effectLst/>
                 <a:latin typeface="Arial" panose="020B0604020202020204" pitchFamily="34" charset="0"/>
               </a:rPr>
               <a:t>(</a:t>
             </a:r>
             <a:r>
-              <a:rPr lang="en-US" altLang="zh-TW" b="0" i="0" dirty="0" err="1">
+              <a:rPr lang="en-US" altLang="zh-TW" sz="1800" b="0" i="0" dirty="0" err="1">
                 <a:effectLst/>
                 <a:latin typeface="Arial" panose="020B0604020202020204" pitchFamily="34" charset="0"/>
               </a:rPr>
               <a:t>Swin</a:t>
             </a:r>
             <a:r>
-              <a:rPr lang="en-US" altLang="zh-TW" b="0" i="0" dirty="0">
+              <a:rPr lang="en-US" altLang="zh-TW" sz="1800" b="0" i="0" dirty="0">
                 <a:effectLst/>
                 <a:latin typeface="Arial" panose="020B0604020202020204" pitchFamily="34" charset="0"/>
               </a:rPr>
               <a:t> , </a:t>
             </a:r>
             <a:r>
-              <a:rPr lang="en-US" altLang="zh-TW" b="0" i="0" dirty="0" err="1">
+              <a:rPr lang="en-US" altLang="zh-TW" sz="1800" b="0" i="0" dirty="0" err="1">
                 <a:effectLst/>
                 <a:latin typeface="Arial" panose="020B0604020202020204" pitchFamily="34" charset="0"/>
               </a:rPr>
               <a:t>MViT</a:t>
             </a:r>
             <a:r>
-              <a:rPr lang="en-US" altLang="zh-TW" b="0" i="0" dirty="0">
+              <a:rPr lang="en-US" altLang="zh-TW" sz="1800" b="0" i="0" dirty="0">
                 <a:effectLst/>
                 <a:latin typeface="Arial" panose="020B0604020202020204" pitchFamily="34" charset="0"/>
               </a:rPr>
               <a:t> , PVT , </a:t>
             </a:r>
             <a:r>
-              <a:rPr lang="en-US" altLang="zh-TW" b="0" i="0" dirty="0" err="1">
+              <a:rPr lang="en-US" altLang="zh-TW" sz="1800" b="0" i="0" dirty="0" err="1">
                 <a:effectLst/>
                 <a:latin typeface="Arial" panose="020B0604020202020204" pitchFamily="34" charset="0"/>
               </a:rPr>
               <a:t>PiT</a:t>
             </a:r>
             <a:r>
-              <a:rPr lang="en-US" altLang="zh-TW" b="0" i="0" dirty="0">
+              <a:rPr lang="en-US" altLang="zh-TW" sz="1800" b="0" i="0" dirty="0">
                 <a:effectLst/>
                 <a:latin typeface="Arial" panose="020B0604020202020204" pitchFamily="34" charset="0"/>
               </a:rPr>
@@ -23526,7 +23617,7 @@
               <a:rPr lang="en-US" altLang="zh-TW" sz="1100"/>
               <a:t>11</a:t>
             </a:fld>
-            <a:endParaRPr sz="1100"/>
+            <a:endParaRPr sz="1100" dirty="0"/>
           </a:p>
         </p:txBody>
       </p:sp>
@@ -23642,7 +23733,7 @@
         <p:spPr>
           <a:xfrm>
             <a:off x="446000" y="917225"/>
-            <a:ext cx="8420414" cy="507801"/>
+            <a:ext cx="8420414" cy="3046958"/>
           </a:xfrm>
           <a:prstGeom prst="rect">
             <a:avLst/>
@@ -23658,26 +23749,79 @@
           </a:bodyPr>
           <a:lstStyle/>
           <a:p>
-            <a:pPr marL="342900" lvl="0" indent="-342900" algn="l" rtl="0">
+            <a:pPr marL="342900" lvl="0" indent="-342900">
               <a:lnSpc>
                 <a:spcPct val="150000"/>
               </a:lnSpc>
-              <a:spcBef>
-                <a:spcPts val="0"/>
-              </a:spcBef>
-              <a:spcAft>
-                <a:spcPts val="0"/>
-              </a:spcAft>
               <a:buFont typeface="+mj-lt"/>
               <a:buAutoNum type="arabicPeriod"/>
             </a:pPr>
             <a:r>
-              <a:rPr lang="en-US" altLang="zh-TW" b="0" i="0" dirty="0">
-                <a:effectLst/>
+              <a:rPr lang="en-US" altLang="zh-TW" sz="2000" dirty="0" err="1"/>
+              <a:t>ViT</a:t>
+            </a:r>
+            <a:r>
+              <a:rPr lang="en-US" altLang="zh-TW" sz="2000" dirty="0"/>
+              <a:t> has inspired people to push the frontier of plain backbones for object detection.</a:t>
+            </a:r>
+          </a:p>
+          <a:p>
+            <a:pPr marL="342900" lvl="0" indent="-342900">
+              <a:lnSpc>
+                <a:spcPct val="150000"/>
+              </a:lnSpc>
+              <a:buFont typeface="+mj-lt"/>
+              <a:buAutoNum type="arabicPeriod"/>
+            </a:pPr>
+            <a:r>
+              <a:rPr lang="en-US" altLang="zh-TW" sz="2000" dirty="0" err="1"/>
+              <a:t>UViT</a:t>
+            </a:r>
+            <a:r>
+              <a:rPr lang="en-US" altLang="zh-TW" sz="2000" dirty="0"/>
+              <a:t> is presented as a single-scale Transformer for object detection.</a:t>
+            </a:r>
+          </a:p>
+          <a:p>
+            <a:pPr lvl="2">
+              <a:lnSpc>
+                <a:spcPct val="150000"/>
+              </a:lnSpc>
+            </a:pPr>
+            <a:r>
+              <a:rPr lang="en-US" altLang="zh-TW" sz="2000" dirty="0">
                 <a:latin typeface="Arial" panose="020B0604020202020204" pitchFamily="34" charset="0"/>
               </a:rPr>
-              <a:t>Vit</a:t>
-            </a:r>
+              <a:t>      1. depth, width, input resolution.</a:t>
+            </a:r>
+          </a:p>
+          <a:p>
+            <a:pPr lvl="2">
+              <a:lnSpc>
+                <a:spcPct val="150000"/>
+              </a:lnSpc>
+            </a:pPr>
+            <a:r>
+              <a:rPr lang="en-US" altLang="zh-TW" sz="2000" dirty="0">
+                <a:latin typeface="Arial" panose="020B0604020202020204" pitchFamily="34" charset="0"/>
+              </a:rPr>
+              <a:t>      2. </a:t>
+            </a:r>
+            <a:r>
+              <a:rPr lang="en-US" altLang="zh-TW" sz="2000" dirty="0"/>
+              <a:t>window attention strategy </a:t>
+            </a:r>
+          </a:p>
+          <a:p>
+            <a:pPr lvl="2">
+              <a:lnSpc>
+                <a:spcPct val="150000"/>
+              </a:lnSpc>
+            </a:pPr>
+            <a:endParaRPr lang="en-US" altLang="zh-TW" sz="2400" b="0" i="0" dirty="0">
+              <a:effectLst/>
+              <a:latin typeface="Arial" panose="020B0604020202020204" pitchFamily="34" charset="0"/>
+            </a:endParaRPr>
           </a:p>
         </p:txBody>
       </p:sp>
@@ -23991,10 +24135,10 @@
       </p:sp>
       <p:sp>
         <p:nvSpPr>
-          <p:cNvPr id="8" name="Google Shape;170;p28">
+          <p:cNvPr id="10" name="Google Shape;170;p28">
             <a:extLst>
               <a:ext uri="{FF2B5EF4-FFF2-40B4-BE49-F238E27FC236}">
-                <a16:creationId xmlns:a16="http://schemas.microsoft.com/office/drawing/2014/main" id="{4E0BE12B-14FD-4D57-8E8E-F6C8F361CC81}"/>
+                <a16:creationId xmlns:a16="http://schemas.microsoft.com/office/drawing/2014/main" id="{BA6964AE-081A-473E-93EA-B3609A505C4F}"/>
               </a:ext>
             </a:extLst>
           </p:cNvPr>
@@ -24004,7 +24148,7 @@
         <p:spPr>
           <a:xfrm>
             <a:off x="446000" y="917225"/>
-            <a:ext cx="8420414" cy="507801"/>
+            <a:ext cx="8420414" cy="2031295"/>
           </a:xfrm>
           <a:prstGeom prst="rect">
             <a:avLst/>
@@ -24020,26 +24164,115 @@
           </a:bodyPr>
           <a:lstStyle/>
           <a:p>
-            <a:pPr marL="342900" lvl="0" indent="-342900" algn="l" rtl="0">
+            <a:pPr marL="342900" lvl="0" indent="-342900">
               <a:lnSpc>
                 <a:spcPct val="150000"/>
               </a:lnSpc>
-              <a:spcBef>
-                <a:spcPts val="0"/>
-              </a:spcBef>
-              <a:spcAft>
-                <a:spcPts val="0"/>
-              </a:spcAft>
               <a:buFont typeface="+mj-lt"/>
               <a:buAutoNum type="arabicPeriod"/>
             </a:pPr>
             <a:r>
-              <a:rPr lang="en-US" altLang="zh-TW" b="0" i="0" dirty="0">
-                <a:effectLst/>
-                <a:latin typeface="Arial" panose="020B0604020202020204" pitchFamily="34" charset="0"/>
+              <a:rPr lang="en-US" altLang="zh-TW" sz="1600" dirty="0"/>
+              <a:t>two-stage (R-CNN, Fast R-CNN, Faster R-CNN, SPP-Net) vs. one-stage (YOLO, SSD, </a:t>
+            </a:r>
+            <a:r>
+              <a:rPr lang="en-US" altLang="zh-TW" sz="1600" dirty="0" err="1"/>
+              <a:t>RetinaNet</a:t>
+            </a:r>
+            <a:r>
+              <a:rPr lang="en-US" altLang="zh-TW" sz="1600" dirty="0"/>
+              <a:t>)</a:t>
+            </a:r>
+          </a:p>
+          <a:p>
+            <a:pPr marL="342900" lvl="0" indent="-342900">
+              <a:lnSpc>
+                <a:spcPct val="150000"/>
+              </a:lnSpc>
+              <a:buFont typeface="+mj-lt"/>
+              <a:buAutoNum type="arabicPeriod"/>
+            </a:pPr>
+            <a:r>
+              <a:rPr lang="en-US" altLang="zh-TW" sz="1600" dirty="0"/>
+              <a:t>anchor-based (Faster R-CNN)</a:t>
+            </a:r>
+            <a:r>
+              <a:rPr lang="zh-TW" altLang="en-US" sz="1600" dirty="0"/>
+              <a:t> </a:t>
+            </a:r>
+            <a:r>
+              <a:rPr lang="en-US" altLang="zh-TW" sz="1600" dirty="0"/>
+              <a:t>vs. anchor-free (FCOS, </a:t>
+            </a:r>
+            <a:r>
+              <a:rPr lang="en-US" altLang="zh-TW" sz="1600" dirty="0" err="1"/>
+              <a:t>CenterNet</a:t>
+            </a:r>
+            <a:r>
+              <a:rPr lang="en-US" altLang="zh-TW" sz="1600" dirty="0"/>
+              <a:t>, </a:t>
+            </a:r>
+            <a:r>
+              <a:rPr lang="en-US" altLang="zh-TW" sz="1600" dirty="0" err="1"/>
+              <a:t>CornerNet</a:t>
+            </a:r>
+            <a:r>
+              <a:rPr lang="en-US" altLang="zh-TW" sz="1600" dirty="0"/>
+              <a:t>)</a:t>
+            </a:r>
+          </a:p>
+          <a:p>
+            <a:pPr marL="342900" lvl="0" indent="-342900">
+              <a:lnSpc>
+                <a:spcPct val="150000"/>
+              </a:lnSpc>
+              <a:buFont typeface="+mj-lt"/>
+              <a:buAutoNum type="arabicPeriod"/>
+            </a:pPr>
+            <a:r>
+              <a:rPr lang="en-US" altLang="zh-TW" sz="1600" dirty="0"/>
+              <a:t>region-based (R-CNN, Fast R-CNN, Faster R-CNN, SPP-Net) vs. query-based (DETR)</a:t>
+            </a:r>
+          </a:p>
+          <a:p>
+            <a:pPr marL="342900" lvl="0" indent="-342900">
+              <a:lnSpc>
+                <a:spcPct val="150000"/>
+              </a:lnSpc>
+              <a:buFont typeface="+mj-lt"/>
+              <a:buAutoNum type="arabicPeriod"/>
+            </a:pPr>
+            <a:r>
+              <a:rPr lang="en-US" altLang="zh-TW" sz="1600" b="1" dirty="0">
+                <a:solidFill>
+                  <a:srgbClr val="FF0000"/>
+                </a:solidFill>
               </a:rPr>
-              <a:t>Vit</a:t>
-            </a:r>
+              <a:t>Plain</a:t>
+            </a:r>
+            <a:r>
+              <a:rPr lang="zh-TW" altLang="en-US" sz="1600" b="1" dirty="0">
+                <a:solidFill>
+                  <a:srgbClr val="FF0000"/>
+                </a:solidFill>
+              </a:rPr>
+              <a:t> </a:t>
+            </a:r>
+            <a:r>
+              <a:rPr lang="en-US" altLang="zh-TW" sz="1600" b="1" dirty="0">
+                <a:solidFill>
+                  <a:srgbClr val="FF0000"/>
+                </a:solidFill>
+              </a:rPr>
+              <a:t>vs. Hierarchical</a:t>
+            </a:r>
+            <a:endParaRPr lang="en-US" altLang="zh-TW" sz="2000" b="1" i="0" dirty="0">
+              <a:solidFill>
+                <a:srgbClr val="FF0000"/>
+              </a:solidFill>
+              <a:effectLst/>
+              <a:latin typeface="Arial" panose="020B0604020202020204" pitchFamily="34" charset="0"/>
+            </a:endParaRPr>
           </a:p>
         </p:txBody>
       </p:sp>
@@ -24866,108 +25099,6 @@
           </p:txBody>
         </p:sp>
       </p:grpSp>
-      <p:sp>
-        <p:nvSpPr>
-          <p:cNvPr id="24" name="箭號: 向下 23">
-            <a:extLst>
-              <a:ext uri="{FF2B5EF4-FFF2-40B4-BE49-F238E27FC236}">
-                <a16:creationId xmlns:a16="http://schemas.microsoft.com/office/drawing/2014/main" id="{23431E2A-4806-4DF0-9DE7-68CE47B33D27}"/>
-              </a:ext>
-            </a:extLst>
-          </p:cNvPr>
-          <p:cNvSpPr/>
-          <p:nvPr/>
-        </p:nvSpPr>
-        <p:spPr>
-          <a:xfrm flipV="1">
-            <a:off x="471906" y="3499000"/>
-            <a:ext cx="375557" cy="971549"/>
-          </a:xfrm>
-          <a:prstGeom prst="downArrow">
-            <a:avLst/>
-          </a:prstGeom>
-        </p:spPr>
-        <p:style>
-          <a:lnRef idx="2">
-            <a:schemeClr val="accent1">
-              <a:shade val="50000"/>
-            </a:schemeClr>
-          </a:lnRef>
-          <a:fillRef idx="1">
-            <a:schemeClr val="accent1"/>
-          </a:fillRef>
-          <a:effectRef idx="0">
-            <a:schemeClr val="accent1"/>
-          </a:effectRef>
-          <a:fontRef idx="minor">
-            <a:schemeClr val="lt1"/>
-          </a:fontRef>
-        </p:style>
-        <p:txBody>
-          <a:bodyPr rtlCol="0" anchor="ctr"/>
-          <a:lstStyle/>
-          <a:p>
-            <a:pPr algn="ctr"/>
-            <a:endParaRPr lang="zh-TW" altLang="en-US"/>
-          </a:p>
-        </p:txBody>
-      </p:sp>
-      <p:sp>
-        <p:nvSpPr>
-          <p:cNvPr id="32" name="Google Shape;170;p28">
-            <a:extLst>
-              <a:ext uri="{FF2B5EF4-FFF2-40B4-BE49-F238E27FC236}">
-                <a16:creationId xmlns:a16="http://schemas.microsoft.com/office/drawing/2014/main" id="{CDCBFD69-7684-446D-862B-A1E9A3CC7186}"/>
-              </a:ext>
-            </a:extLst>
-          </p:cNvPr>
-          <p:cNvSpPr txBox="1"/>
-          <p:nvPr/>
-        </p:nvSpPr>
-        <p:spPr>
-          <a:xfrm>
-            <a:off x="471906" y="4415527"/>
-            <a:ext cx="537256" cy="507801"/>
-          </a:xfrm>
-          <a:prstGeom prst="rect">
-            <a:avLst/>
-          </a:prstGeom>
-          <a:noFill/>
-          <a:ln>
-            <a:noFill/>
-          </a:ln>
-        </p:spPr>
-        <p:txBody>
-          <a:bodyPr spcFirstLastPara="1" wrap="square" lIns="91425" tIns="91425" rIns="91425" bIns="91425" anchor="t" anchorCtr="0">
-            <a:spAutoFit/>
-          </a:bodyPr>
-          <a:lstStyle/>
-          <a:p>
-            <a:pPr lvl="0" algn="l" rtl="0">
-              <a:lnSpc>
-                <a:spcPct val="150000"/>
-              </a:lnSpc>
-              <a:spcBef>
-                <a:spcPts val="0"/>
-              </a:spcBef>
-              <a:spcAft>
-                <a:spcPts val="0"/>
-              </a:spcAft>
-            </a:pPr>
-            <a:r>
-              <a:rPr lang="en-US" altLang="zh-TW" b="0" i="0" dirty="0" err="1">
-                <a:effectLst/>
-                <a:latin typeface="Arial" panose="020B0604020202020204" pitchFamily="34" charset="0"/>
-              </a:rPr>
-              <a:t>ViT</a:t>
-            </a:r>
-            <a:endParaRPr lang="en-US" altLang="zh-TW" b="0" i="0" dirty="0">
-              <a:effectLst/>
-              <a:latin typeface="Arial" panose="020B0604020202020204" pitchFamily="34" charset="0"/>
-            </a:endParaRPr>
-          </a:p>
-        </p:txBody>
-      </p:sp>
       <p:pic>
         <p:nvPicPr>
           <p:cNvPr id="33" name="圖片 32">
@@ -26517,7 +26648,7 @@
         </p:blipFill>
         <p:spPr bwMode="auto">
           <a:xfrm>
-            <a:off x="740229" y="3844870"/>
+            <a:off x="575084" y="3859798"/>
             <a:ext cx="5162550" cy="476250"/>
           </a:xfrm>
           <a:prstGeom prst="rect">
@@ -26857,7 +26988,7 @@
         <p:spPr>
           <a:xfrm>
             <a:off x="471906" y="827563"/>
-            <a:ext cx="5545173" cy="2446793"/>
+            <a:ext cx="8200200" cy="3416290"/>
           </a:xfrm>
           <a:prstGeom prst="rect">
             <a:avLst/>
@@ -26887,49 +27018,49 @@
               <a:buAutoNum type="arabicPeriod"/>
             </a:pPr>
             <a:r>
-              <a:rPr lang="en-US" altLang="zh-TW" b="0" i="0" dirty="0">
+              <a:rPr lang="en-US" altLang="zh-TW" sz="2000" b="0" i="0" dirty="0">
                 <a:effectLst/>
                 <a:latin typeface="Arial" panose="020B0604020202020204" pitchFamily="34" charset="0"/>
               </a:rPr>
               <a:t>Pretraining backbones : </a:t>
             </a:r>
             <a:r>
-              <a:rPr lang="en-US" altLang="zh-TW" b="0" i="0" dirty="0" err="1">
+              <a:rPr lang="en-US" altLang="zh-TW" sz="2000" b="0" i="0" dirty="0" err="1">
                 <a:effectLst/>
                 <a:latin typeface="Arial" panose="020B0604020202020204" pitchFamily="34" charset="0"/>
               </a:rPr>
               <a:t>ViT</a:t>
             </a:r>
             <a:r>
-              <a:rPr lang="en-US" altLang="zh-TW" b="0" i="0" dirty="0">
+              <a:rPr lang="en-US" altLang="zh-TW" sz="2000" b="0" i="0" dirty="0">
                 <a:effectLst/>
                 <a:latin typeface="Arial" panose="020B0604020202020204" pitchFamily="34" charset="0"/>
               </a:rPr>
               <a:t>-B,  </a:t>
             </a:r>
             <a:r>
-              <a:rPr lang="en-US" altLang="zh-TW" b="0" i="0" dirty="0" err="1">
+              <a:rPr lang="en-US" altLang="zh-TW" sz="2000" b="0" i="0" dirty="0" err="1">
                 <a:effectLst/>
                 <a:latin typeface="Arial" panose="020B0604020202020204" pitchFamily="34" charset="0"/>
               </a:rPr>
               <a:t>ViT</a:t>
             </a:r>
             <a:r>
-              <a:rPr lang="en-US" altLang="zh-TW" b="0" i="0" dirty="0">
+              <a:rPr lang="en-US" altLang="zh-TW" sz="2000" b="0" i="0" dirty="0">
                 <a:effectLst/>
                 <a:latin typeface="Arial" panose="020B0604020202020204" pitchFamily="34" charset="0"/>
               </a:rPr>
               <a:t>-L,  </a:t>
             </a:r>
             <a:r>
-              <a:rPr lang="en-US" altLang="zh-TW" b="0" i="0" dirty="0" err="1">
+              <a:rPr lang="en-US" altLang="zh-TW" sz="2000" b="0" i="0" dirty="0" err="1">
                 <a:effectLst/>
                 <a:latin typeface="Arial" panose="020B0604020202020204" pitchFamily="34" charset="0"/>
               </a:rPr>
               <a:t>ViT</a:t>
             </a:r>
             <a:r>
-              <a:rPr lang="en-US" altLang="zh-TW" b="0" i="0" dirty="0">
+              <a:rPr lang="en-US" altLang="zh-TW" sz="2000" b="0" i="0" dirty="0">
                 <a:effectLst/>
                 <a:latin typeface="Arial" panose="020B0604020202020204" pitchFamily="34" charset="0"/>
               </a:rPr>
@@ -26951,7 +27082,7 @@
               <a:buAutoNum type="arabicPeriod"/>
             </a:pPr>
             <a:r>
-              <a:rPr lang="en-US" altLang="zh-TW" b="0" i="0" dirty="0">
+              <a:rPr lang="en-US" altLang="zh-TW" sz="2000" b="0" i="0" dirty="0">
                 <a:effectLst/>
                 <a:latin typeface="Arial" panose="020B0604020202020204" pitchFamily="34" charset="0"/>
               </a:rPr>
@@ -26973,20 +27104,20 @@
               <a:buAutoNum type="arabicPeriod"/>
             </a:pPr>
             <a:r>
-              <a:rPr lang="en-US" altLang="zh-TW" b="0" i="0" dirty="0">
+              <a:rPr lang="en-US" altLang="zh-TW" sz="2000" b="0" i="0" dirty="0">
                 <a:effectLst/>
                 <a:latin typeface="Arial" panose="020B0604020202020204" pitchFamily="34" charset="0"/>
               </a:rPr>
               <a:t>Detector heads</a:t>
             </a:r>
             <a:r>
-              <a:rPr lang="en-US" altLang="zh-TW" dirty="0">
+              <a:rPr lang="en-US" altLang="zh-TW" sz="2000" dirty="0">
                 <a:latin typeface="Arial" panose="020B0604020202020204" pitchFamily="34" charset="0"/>
               </a:rPr>
               <a:t> : </a:t>
             </a:r>
             <a:r>
-              <a:rPr lang="pt-BR" altLang="zh-TW" b="0" i="0" dirty="0">
+              <a:rPr lang="pt-BR" altLang="zh-TW" sz="2000" b="0" i="0" dirty="0">
                 <a:effectLst/>
                 <a:latin typeface="Arial" panose="020B0604020202020204" pitchFamily="34" charset="0"/>
               </a:rPr>
@@ -27008,20 +27139,20 @@
               <a:buAutoNum type="arabicPeriod"/>
             </a:pPr>
             <a:r>
-              <a:rPr lang="en-US" altLang="zh-TW" b="0" i="0" dirty="0">
+              <a:rPr lang="en-US" altLang="zh-TW" sz="2000" b="0" i="0" dirty="0">
                 <a:effectLst/>
                 <a:latin typeface="Arial" panose="020B0604020202020204" pitchFamily="34" charset="0"/>
               </a:rPr>
               <a:t>Input image</a:t>
             </a:r>
             <a:r>
-              <a:rPr lang="pt-BR" altLang="zh-TW" dirty="0">
+              <a:rPr lang="pt-BR" altLang="zh-TW" sz="2000" dirty="0">
                 <a:latin typeface="Arial" panose="020B0604020202020204" pitchFamily="34" charset="0"/>
               </a:rPr>
               <a:t> : </a:t>
             </a:r>
             <a:r>
-              <a:rPr lang="en-US" altLang="zh-TW" b="0" i="0" dirty="0">
+              <a:rPr lang="en-US" altLang="zh-TW" sz="2000" b="0" i="0" dirty="0">
                 <a:effectLst/>
                 <a:latin typeface="Arial" panose="020B0604020202020204" pitchFamily="34" charset="0"/>
               </a:rPr>
@@ -27043,14 +27174,14 @@
               <a:buAutoNum type="arabicPeriod"/>
             </a:pPr>
             <a:r>
-              <a:rPr lang="en-US" altLang="zh-TW" b="0" i="0" dirty="0">
+              <a:rPr lang="en-US" altLang="zh-TW" sz="2000" b="0" i="0" dirty="0">
                 <a:effectLst/>
                 <a:latin typeface="Arial" panose="020B0604020202020204" pitchFamily="34" charset="0"/>
               </a:rPr>
               <a:t>Augmente</a:t>
             </a:r>
             <a:r>
-              <a:rPr lang="en-US" altLang="zh-TW" dirty="0">
+              <a:rPr lang="en-US" altLang="zh-TW" sz="2000" dirty="0">
                 <a:latin typeface="Arial" panose="020B0604020202020204" pitchFamily="34" charset="0"/>
               </a:rPr>
               <a:t>d :  large-scale jittering</a:t>
@@ -27071,7 +27202,7 @@
               <a:buAutoNum type="arabicPeriod"/>
             </a:pPr>
             <a:r>
-              <a:rPr lang="en-US" altLang="zh-TW" b="0" i="0" dirty="0">
+              <a:rPr lang="en-US" altLang="zh-TW" sz="2000" b="0" i="0" dirty="0">
                 <a:effectLst/>
                 <a:latin typeface="Arial" panose="020B0604020202020204" pitchFamily="34" charset="0"/>
               </a:rPr>
@@ -27093,21 +27224,21 @@
               <a:buAutoNum type="arabicPeriod"/>
             </a:pPr>
             <a:r>
-              <a:rPr lang="en-US" altLang="zh-TW" b="0" i="0" dirty="0">
+              <a:rPr lang="en-US" altLang="zh-TW" sz="2000" b="0" i="0" dirty="0">
                 <a:effectLst/>
                 <a:latin typeface="Arial" panose="020B0604020202020204" pitchFamily="34" charset="0"/>
               </a:rPr>
               <a:t>Optimizer : </a:t>
             </a:r>
             <a:r>
-              <a:rPr lang="en-US" altLang="zh-TW" b="0" i="0" dirty="0" err="1">
+              <a:rPr lang="en-US" altLang="zh-TW" sz="2000" b="0" i="0" dirty="0" err="1">
                 <a:effectLst/>
                 <a:latin typeface="Arial" panose="020B0604020202020204" pitchFamily="34" charset="0"/>
               </a:rPr>
               <a:t>AdamW</a:t>
             </a:r>
             <a:r>
-              <a:rPr lang="en-US" altLang="zh-TW" b="0" i="0" dirty="0">
+              <a:rPr lang="en-US" altLang="zh-TW" sz="2000" b="0" i="0" dirty="0">
                 <a:effectLst/>
                 <a:latin typeface="Arial" panose="020B0604020202020204" pitchFamily="34" charset="0"/>
               </a:rPr>
@@ -28006,7 +28137,7 @@
         <p:spPr>
           <a:xfrm>
             <a:off x="471900" y="886850"/>
-            <a:ext cx="8252100" cy="1800463"/>
+            <a:ext cx="8252100" cy="2954625"/>
           </a:xfrm>
           <a:prstGeom prst="rect">
             <a:avLst/>
@@ -28040,7 +28171,7 @@
               <a:buAutoNum type="arabicPeriod"/>
             </a:pPr>
             <a:r>
-              <a:rPr lang="en-US" altLang="zh-TW" b="0" i="0" dirty="0">
+              <a:rPr lang="en-US" altLang="zh-TW" sz="2400" b="0" i="0" dirty="0">
                 <a:effectLst/>
                 <a:latin typeface="Arial" panose="020B0604020202020204" pitchFamily="34" charset="0"/>
               </a:rPr>
@@ -28066,7 +28197,7 @@
               <a:buAutoNum type="arabicPeriod"/>
             </a:pPr>
             <a:r>
-              <a:rPr lang="en-US" altLang="zh-TW" b="0" i="0" dirty="0">
+              <a:rPr lang="en-US" altLang="zh-TW" sz="2400" b="0" i="0" dirty="0">
                 <a:effectLst/>
                 <a:latin typeface="Arial" panose="020B0604020202020204" pitchFamily="34" charset="0"/>
               </a:rPr>
@@ -28092,13 +28223,13 @@
               <a:buAutoNum type="arabicPeriod"/>
             </a:pPr>
             <a:r>
-              <a:rPr lang="en-US" altLang="zh-TW" b="0" i="0" dirty="0">
+              <a:rPr lang="en-US" altLang="zh-TW" sz="2400" b="0" i="0" dirty="0">
                 <a:effectLst/>
                 <a:latin typeface="Arial" panose="020B0604020202020204" pitchFamily="34" charset="0"/>
               </a:rPr>
               <a:t>Method</a:t>
             </a:r>
-            <a:endParaRPr lang="en-US" altLang="zh-TW" dirty="0">
+            <a:endParaRPr lang="en-US" altLang="zh-TW" sz="2400" dirty="0">
               <a:latin typeface="Arial" panose="020B0604020202020204" pitchFamily="34" charset="0"/>
             </a:endParaRPr>
           </a:p>
@@ -28121,7 +28252,7 @@
               <a:buAutoNum type="arabicPeriod"/>
             </a:pPr>
             <a:r>
-              <a:rPr lang="en-US" altLang="zh-TW" b="0" i="0" dirty="0">
+              <a:rPr lang="en-US" altLang="zh-TW" sz="2400" b="0" i="0" dirty="0">
                 <a:effectLst/>
                 <a:latin typeface="Arial" panose="020B0604020202020204" pitchFamily="34" charset="0"/>
               </a:rPr>
@@ -28147,13 +28278,13 @@
               <a:buAutoNum type="arabicPeriod"/>
             </a:pPr>
             <a:r>
-              <a:rPr lang="en-US" altLang="zh-TW" b="0" i="0" dirty="0">
+              <a:rPr lang="en-US" altLang="zh-TW" sz="2400" b="0" i="0" dirty="0">
                 <a:effectLst/>
                 <a:latin typeface="Arial" panose="020B0604020202020204" pitchFamily="34" charset="0"/>
               </a:rPr>
               <a:t>Conclusion</a:t>
             </a:r>
-            <a:endParaRPr b="1" dirty="0">
+            <a:endParaRPr sz="2400" b="1" dirty="0">
               <a:solidFill>
                 <a:srgbClr val="FF0000"/>
               </a:solidFill>
@@ -29636,7 +29767,7 @@
         </p:blipFill>
         <p:spPr>
           <a:xfrm>
-            <a:off x="6365200" y="2566955"/>
+            <a:off x="6145097" y="3053510"/>
             <a:ext cx="2555644" cy="392386"/>
           </a:xfrm>
           <a:prstGeom prst="rect">
@@ -29644,6 +29775,82 @@
           </a:prstGeom>
         </p:spPr>
       </p:pic>
+      <p:pic>
+        <p:nvPicPr>
+          <p:cNvPr id="2" name="圖片 1">
+            <a:extLst>
+              <a:ext uri="{FF2B5EF4-FFF2-40B4-BE49-F238E27FC236}">
+                <a16:creationId xmlns:a16="http://schemas.microsoft.com/office/drawing/2014/main" id="{4B36575F-90FF-4F34-80F1-4763B4A39C87}"/>
+              </a:ext>
+            </a:extLst>
+          </p:cNvPr>
+          <p:cNvPicPr>
+            <a:picLocks noChangeAspect="1"/>
+          </p:cNvPicPr>
+          <p:nvPr/>
+        </p:nvPicPr>
+        <p:blipFill>
+          <a:blip r:embed="rId5"/>
+          <a:stretch>
+            <a:fillRect/>
+          </a:stretch>
+        </p:blipFill>
+        <p:spPr>
+          <a:xfrm>
+            <a:off x="6145097" y="1891971"/>
+            <a:ext cx="2555644" cy="493867"/>
+          </a:xfrm>
+          <a:prstGeom prst="rect">
+            <a:avLst/>
+          </a:prstGeom>
+        </p:spPr>
+      </p:pic>
+      <p:sp>
+        <p:nvSpPr>
+          <p:cNvPr id="4" name="箭號: 向下 3">
+            <a:extLst>
+              <a:ext uri="{FF2B5EF4-FFF2-40B4-BE49-F238E27FC236}">
+                <a16:creationId xmlns:a16="http://schemas.microsoft.com/office/drawing/2014/main" id="{7E6966E8-79D5-4F45-B430-B5EE853E6048}"/>
+              </a:ext>
+            </a:extLst>
+          </p:cNvPr>
+          <p:cNvSpPr/>
+          <p:nvPr/>
+        </p:nvSpPr>
+        <p:spPr>
+          <a:xfrm>
+            <a:off x="7177177" y="2467155"/>
+            <a:ext cx="155276" cy="493867"/>
+          </a:xfrm>
+          <a:prstGeom prst="downArrow">
+            <a:avLst/>
+          </a:prstGeom>
+        </p:spPr>
+        <p:style>
+          <a:lnRef idx="2">
+            <a:schemeClr val="accent1">
+              <a:shade val="50000"/>
+            </a:schemeClr>
+          </a:lnRef>
+          <a:fillRef idx="1">
+            <a:schemeClr val="accent1"/>
+          </a:fillRef>
+          <a:effectRef idx="0">
+            <a:schemeClr val="accent1"/>
+          </a:effectRef>
+          <a:fontRef idx="minor">
+            <a:schemeClr val="lt1"/>
+          </a:fontRef>
+        </p:style>
+        <p:txBody>
+          <a:bodyPr rtlCol="0" anchor="ctr"/>
+          <a:lstStyle/>
+          <a:p>
+            <a:pPr algn="ctr"/>
+            <a:endParaRPr lang="zh-TW" altLang="en-US"/>
+          </a:p>
+        </p:txBody>
+      </p:sp>
     </p:spTree>
     <p:extLst>
       <p:ext uri="{BB962C8B-B14F-4D97-AF65-F5344CB8AC3E}">
@@ -31303,15 +31510,7 @@
           </a:bodyPr>
           <a:lstStyle/>
           <a:p>
-            <a:pPr marL="0" marR="0" lvl="0" indent="0" algn="l" rtl="0">
-              <a:spcBef>
-                <a:spcPts val="0"/>
-              </a:spcBef>
-              <a:spcAft>
-                <a:spcPts val="0"/>
-              </a:spcAft>
-              <a:buNone/>
-            </a:pPr>
+            <a:pPr lvl="0"/>
             <a:r>
               <a:rPr lang="en-US" sz="2100" b="1" dirty="0">
                 <a:solidFill>
@@ -31322,17 +31521,17 @@
                 <a:cs typeface="Microsoft JhengHei"/>
                 <a:sym typeface="Microsoft JhengHei"/>
               </a:rPr>
-              <a:t>Experiments - Comparisons with Hierarchical Backbones</a:t>
+              <a:t>Conclusion</a:t>
             </a:r>
           </a:p>
         </p:txBody>
       </p:sp>
       <p:sp>
         <p:nvSpPr>
-          <p:cNvPr id="12" name="文字方塊 11">
+          <p:cNvPr id="9" name="Google Shape;170;p28">
             <a:extLst>
               <a:ext uri="{FF2B5EF4-FFF2-40B4-BE49-F238E27FC236}">
-                <a16:creationId xmlns:a16="http://schemas.microsoft.com/office/drawing/2014/main" id="{D5315CD7-C524-44FA-AD98-87C2D46CC238}"/>
+                <a16:creationId xmlns:a16="http://schemas.microsoft.com/office/drawing/2014/main" id="{13001546-1F9E-45CB-8590-554C7F045D3B}"/>
               </a:ext>
             </a:extLst>
           </p:cNvPr>
@@ -31341,89 +31540,96 @@
         </p:nvSpPr>
         <p:spPr>
           <a:xfrm>
-            <a:off x="6498772" y="1401408"/>
-            <a:ext cx="2857499" cy="738664"/>
+            <a:off x="471906" y="827563"/>
+            <a:ext cx="8200200" cy="3877954"/>
           </a:xfrm>
           <a:prstGeom prst="rect">
             <a:avLst/>
           </a:prstGeom>
           <a:noFill/>
+          <a:ln>
+            <a:noFill/>
+          </a:ln>
         </p:spPr>
         <p:txBody>
-          <a:bodyPr wrap="square">
+          <a:bodyPr spcFirstLastPara="1" wrap="square" lIns="91425" tIns="91425" rIns="91425" bIns="91425" anchor="t" anchorCtr="0">
             <a:spAutoFit/>
           </a:bodyPr>
           <a:lstStyle/>
           <a:p>
-            <a:r>
-              <a:rPr lang="en-US" altLang="zh-TW" b="0" i="0" dirty="0">
-                <a:effectLst/>
+            <a:pPr marL="342900" lvl="0" indent="-342900">
+              <a:lnSpc>
+                <a:spcPct val="150000"/>
+              </a:lnSpc>
+              <a:buFont typeface="+mj-lt"/>
+              <a:buAutoNum type="arabicPeriod"/>
+            </a:pPr>
+            <a:r>
+              <a:rPr lang="en-US" altLang="zh-TW" sz="2000" dirty="0">
                 <a:latin typeface="Arial" panose="020B0604020202020204" pitchFamily="34" charset="0"/>
               </a:rPr>
-              <a:t>Comparisons on LVIS</a:t>
-            </a:r>
-          </a:p>
-          <a:p>
-            <a:pPr marL="342900" indent="-342900">
+              <a:t>Plain-backbone detection is a promising research direction.</a:t>
+            </a:r>
+          </a:p>
+          <a:p>
+            <a:pPr marL="342900" lvl="0" indent="-342900">
+              <a:lnSpc>
+                <a:spcPct val="150000"/>
+              </a:lnSpc>
+              <a:buFont typeface="+mj-lt"/>
               <a:buAutoNum type="arabicPeriod"/>
             </a:pPr>
             <a:r>
-              <a:rPr lang="en-US" altLang="zh-TW" dirty="0"/>
-              <a:t>input size 1024-&gt;1080</a:t>
-            </a:r>
-          </a:p>
-          <a:p>
-            <a:pPr marL="342900" indent="-342900">
+              <a:rPr lang="en-US" altLang="zh-TW" sz="2000" dirty="0">
+                <a:latin typeface="Arial" panose="020B0604020202020204" pitchFamily="34" charset="0"/>
+              </a:rPr>
+              <a:t>Decoupling pretraining from fine-tuning will generally benefit the community. </a:t>
+            </a:r>
+          </a:p>
+          <a:p>
+            <a:pPr marL="342900" lvl="0" indent="-342900">
+              <a:lnSpc>
+                <a:spcPct val="150000"/>
+              </a:lnSpc>
+              <a:buFont typeface="+mj-lt"/>
               <a:buAutoNum type="arabicPeriod"/>
             </a:pPr>
             <a:r>
-              <a:rPr lang="en-US" altLang="zh-TW" b="0" i="0" dirty="0">
-                <a:effectLst/>
+              <a:rPr lang="en-US" altLang="zh-TW" sz="2000" dirty="0">
                 <a:latin typeface="Arial" panose="020B0604020202020204" pitchFamily="34" charset="0"/>
               </a:rPr>
-              <a:t>Adopt soft-</a:t>
-            </a:r>
-            <a:r>
-              <a:rPr lang="en-US" altLang="zh-TW" b="0" i="0" dirty="0" err="1">
-                <a:effectLst/>
+              <a:t>Plain-backbone detector has benefited from pretrained models from MAE.</a:t>
+            </a:r>
+          </a:p>
+          <a:p>
+            <a:pPr lvl="0">
+              <a:lnSpc>
+                <a:spcPct val="150000"/>
+              </a:lnSpc>
+            </a:pPr>
+            <a:endParaRPr lang="en-US" altLang="zh-TW" sz="2000" dirty="0">
+              <a:latin typeface="Arial" panose="020B0604020202020204" pitchFamily="34" charset="0"/>
+            </a:endParaRPr>
+          </a:p>
+          <a:p>
+            <a:pPr lvl="0">
+              <a:lnSpc>
+                <a:spcPct val="150000"/>
+              </a:lnSpc>
+            </a:pPr>
+            <a:r>
+              <a:rPr lang="en-US" altLang="zh-TW" sz="2000" dirty="0">
                 <a:latin typeface="Arial" panose="020B0604020202020204" pitchFamily="34" charset="0"/>
               </a:rPr>
-              <a:t>nms</a:t>
-            </a:r>
-            <a:endParaRPr lang="zh-TW" altLang="en-US" dirty="0"/>
+              <a:t>We hope this methodology will also help bring the fields of computer vision and NLP closer.</a:t>
+            </a:r>
+            <a:endParaRPr lang="en-US" altLang="zh-TW" sz="2000" b="0" i="0" dirty="0">
+              <a:effectLst/>
+              <a:latin typeface="Arial" panose="020B0604020202020204" pitchFamily="34" charset="0"/>
+            </a:endParaRPr>
           </a:p>
         </p:txBody>
       </p:sp>
-      <p:pic>
-        <p:nvPicPr>
-          <p:cNvPr id="4" name="圖片 3">
-            <a:extLst>
-              <a:ext uri="{FF2B5EF4-FFF2-40B4-BE49-F238E27FC236}">
-                <a16:creationId xmlns:a16="http://schemas.microsoft.com/office/drawing/2014/main" id="{0F9E0E34-6B79-40AA-B7C8-A720231D3796}"/>
-              </a:ext>
-            </a:extLst>
-          </p:cNvPr>
-          <p:cNvPicPr>
-            <a:picLocks noChangeAspect="1"/>
-          </p:cNvPicPr>
-          <p:nvPr/>
-        </p:nvPicPr>
-        <p:blipFill>
-          <a:blip r:embed="rId3"/>
-          <a:stretch>
-            <a:fillRect/>
-          </a:stretch>
-        </p:blipFill>
-        <p:spPr>
-          <a:xfrm>
-            <a:off x="0" y="1343472"/>
-            <a:ext cx="6237515" cy="2021923"/>
-          </a:xfrm>
-          <a:prstGeom prst="rect">
-            <a:avLst/>
-          </a:prstGeom>
-        </p:spPr>
-      </p:pic>
     </p:spTree>
     <p:extLst>
       <p:ext uri="{BB962C8B-B14F-4D97-AF65-F5344CB8AC3E}">
@@ -33547,8 +33753,8 @@
         </p:nvGrpSpPr>
         <p:grpSpPr>
           <a:xfrm>
-            <a:off x="2539093" y="783774"/>
-            <a:ext cx="6544326" cy="3518805"/>
+            <a:off x="3140015" y="866235"/>
+            <a:ext cx="6003985" cy="3216175"/>
             <a:chOff x="471906" y="852083"/>
             <a:chExt cx="7302954" cy="3800677"/>
           </a:xfrm>
@@ -33993,8 +34199,8 @@
         </p:nvSpPr>
         <p:spPr>
           <a:xfrm>
-            <a:off x="332451" y="1342854"/>
-            <a:ext cx="2206641" cy="830966"/>
+            <a:off x="205617" y="1350019"/>
+            <a:ext cx="2934398" cy="1107965"/>
           </a:xfrm>
           <a:prstGeom prst="rect">
             <a:avLst/>
@@ -34024,7 +34230,7 @@
               <a:buAutoNum type="arabicPeriod"/>
             </a:pPr>
             <a:r>
-              <a:rPr lang="en-US" altLang="zh-TW" b="0" i="0" dirty="0">
+              <a:rPr lang="en-US" altLang="zh-TW" sz="2000" b="0" i="0" dirty="0">
                 <a:effectLst/>
                 <a:latin typeface="Arial" panose="020B0604020202020204" pitchFamily="34" charset="0"/>
               </a:rPr>
@@ -34046,14 +34252,14 @@
               <a:buAutoNum type="arabicPeriod"/>
             </a:pPr>
             <a:r>
-              <a:rPr lang="en-US" altLang="zh-TW" b="0" i="0" dirty="0" err="1">
+              <a:rPr lang="en-US" altLang="zh-TW" sz="2000" b="0" i="0" dirty="0" err="1">
                 <a:effectLst/>
                 <a:latin typeface="Arial" panose="020B0604020202020204" pitchFamily="34" charset="0"/>
               </a:rPr>
               <a:t>Swin</a:t>
             </a:r>
             <a:r>
-              <a:rPr lang="en-US" altLang="zh-TW" b="0" i="0" dirty="0">
+              <a:rPr lang="en-US" altLang="zh-TW" sz="2000" b="0" i="0" dirty="0">
                 <a:effectLst/>
                 <a:latin typeface="Arial" panose="020B0604020202020204" pitchFamily="34" charset="0"/>
               </a:rPr>

--- a/Exploring Plain Vision Transformer Backbones for Object Detection_M11015039.pptx
+++ b/Exploring Plain Vision Transformer Backbones for Object Detection_M11015039.pptx
@@ -1834,7 +1834,7 @@
                 <a:effectLst/>
                 <a:latin typeface="Arial" panose="020B0604020202020204" pitchFamily="34" charset="0"/>
               </a:rPr>
-              <a:t>骨架來說 以作者經驗是不必要的 因在</a:t>
+              <a:t>骨幹來說 以作者經驗是不必要的 因在</a:t>
             </a:r>
             <a:r>
               <a:rPr lang="en-US" altLang="zh-TW" b="0" i="0" dirty="0" err="1">
@@ -5771,7 +5771,7 @@
             </a:pPr>
             <a:r>
               <a:rPr lang="zh-TW" altLang="en-US" dirty="0"/>
-              <a:t>在這項研究中，我們的普通骨幹檢測器受益於 </a:t>
+              <a:t>在這項研究中，簡單骨幹檢測器可以適用</a:t>
             </a:r>
             <a:r>
               <a:rPr lang="en-US" altLang="zh-TW" dirty="0"/>
@@ -5779,7 +5779,7 @@
             </a:r>
             <a:r>
               <a:rPr lang="zh-TW" altLang="en-US" dirty="0"/>
-              <a:t>提供的現成的預訓練模型。</a:t>
+              <a:t>預訓練模型訓練。</a:t>
             </a:r>
           </a:p>
           <a:p>
@@ -5805,7 +5805,7 @@
             <a:endParaRPr lang="zh-TW" altLang="en-US" dirty="0"/>
           </a:p>
           <a:p>
-            <a:pPr marL="228600" marR="0" lvl="0" indent="-228600" algn="l" defTabSz="914400" rtl="0" eaLnBrk="1" fontAlgn="auto" latinLnBrk="0" hangingPunct="1">
+            <a:pPr marL="0" marR="0" lvl="0" indent="0" algn="l" defTabSz="914400" rtl="0" eaLnBrk="1" fontAlgn="auto" latinLnBrk="0" hangingPunct="1">
               <a:lnSpc>
                 <a:spcPct val="100000"/>
               </a:lnSpc>
@@ -5820,7 +5820,7 @@
               </a:buClr>
               <a:buSzPts val="1200"/>
               <a:buFont typeface="Calibri"/>
-              <a:buAutoNum type="arabicPeriod"/>
+              <a:buNone/>
               <a:tabLst/>
               <a:defRPr/>
             </a:pPr>
@@ -29437,7 +29437,7 @@
         </p:blipFill>
         <p:spPr bwMode="auto">
           <a:xfrm>
-            <a:off x="5159829" y="2739779"/>
+            <a:off x="5151665" y="2815141"/>
             <a:ext cx="3825649" cy="2128496"/>
           </a:xfrm>
           <a:prstGeom prst="rect">
@@ -30810,7 +30810,7 @@
         </p:blipFill>
         <p:spPr>
           <a:xfrm>
-            <a:off x="0" y="1955793"/>
+            <a:off x="0" y="1913784"/>
             <a:ext cx="6237515" cy="2021923"/>
           </a:xfrm>
           <a:prstGeom prst="rect">

--- a/Exploring Plain Vision Transformer Backbones for Object Detection_M11015039.pptx
+++ b/Exploring Plain Vision Transformer Backbones for Object Detection_M11015039.pptx
@@ -33753,8 +33753,8 @@
         </p:nvGrpSpPr>
         <p:grpSpPr>
           <a:xfrm>
-            <a:off x="3140015" y="866235"/>
-            <a:ext cx="6003985" cy="3216175"/>
+            <a:off x="2941608" y="851317"/>
+            <a:ext cx="6202392" cy="3254821"/>
             <a:chOff x="471906" y="852083"/>
             <a:chExt cx="7302954" cy="3800677"/>
           </a:xfrm>
